--- a/Obsidian_Plan_Phase_01.pptx
+++ b/Obsidian_Plan_Phase_01.pptx
@@ -243,7 +243,7 @@
           <a:p>
             <a:fld id="{ADD072A5-80F2-459C-8EED-9DCE35A75F4A}" type="datetimeFigureOut">
               <a:rPr lang="en-GB" smtClean="0"/>
-              <a:t>09/05/2020</a:t>
+              <a:t>11/05/2020</a:t>
             </a:fld>
             <a:endParaRPr lang="en-GB"/>
           </a:p>
@@ -413,7 +413,7 @@
           <a:p>
             <a:fld id="{ADD072A5-80F2-459C-8EED-9DCE35A75F4A}" type="datetimeFigureOut">
               <a:rPr lang="en-GB" smtClean="0"/>
-              <a:t>09/05/2020</a:t>
+              <a:t>11/05/2020</a:t>
             </a:fld>
             <a:endParaRPr lang="en-GB"/>
           </a:p>
@@ -593,7 +593,7 @@
           <a:p>
             <a:fld id="{ADD072A5-80F2-459C-8EED-9DCE35A75F4A}" type="datetimeFigureOut">
               <a:rPr lang="en-GB" smtClean="0"/>
-              <a:t>09/05/2020</a:t>
+              <a:t>11/05/2020</a:t>
             </a:fld>
             <a:endParaRPr lang="en-GB"/>
           </a:p>
@@ -763,7 +763,7 @@
           <a:p>
             <a:fld id="{ADD072A5-80F2-459C-8EED-9DCE35A75F4A}" type="datetimeFigureOut">
               <a:rPr lang="en-GB" smtClean="0"/>
-              <a:t>09/05/2020</a:t>
+              <a:t>11/05/2020</a:t>
             </a:fld>
             <a:endParaRPr lang="en-GB"/>
           </a:p>
@@ -1009,7 +1009,7 @@
           <a:p>
             <a:fld id="{ADD072A5-80F2-459C-8EED-9DCE35A75F4A}" type="datetimeFigureOut">
               <a:rPr lang="en-GB" smtClean="0"/>
-              <a:t>09/05/2020</a:t>
+              <a:t>11/05/2020</a:t>
             </a:fld>
             <a:endParaRPr lang="en-GB"/>
           </a:p>
@@ -1241,7 +1241,7 @@
           <a:p>
             <a:fld id="{ADD072A5-80F2-459C-8EED-9DCE35A75F4A}" type="datetimeFigureOut">
               <a:rPr lang="en-GB" smtClean="0"/>
-              <a:t>09/05/2020</a:t>
+              <a:t>11/05/2020</a:t>
             </a:fld>
             <a:endParaRPr lang="en-GB"/>
           </a:p>
@@ -1608,7 +1608,7 @@
           <a:p>
             <a:fld id="{ADD072A5-80F2-459C-8EED-9DCE35A75F4A}" type="datetimeFigureOut">
               <a:rPr lang="en-GB" smtClean="0"/>
-              <a:t>09/05/2020</a:t>
+              <a:t>11/05/2020</a:t>
             </a:fld>
             <a:endParaRPr lang="en-GB"/>
           </a:p>
@@ -1726,7 +1726,7 @@
           <a:p>
             <a:fld id="{ADD072A5-80F2-459C-8EED-9DCE35A75F4A}" type="datetimeFigureOut">
               <a:rPr lang="en-GB" smtClean="0"/>
-              <a:t>09/05/2020</a:t>
+              <a:t>11/05/2020</a:t>
             </a:fld>
             <a:endParaRPr lang="en-GB"/>
           </a:p>
@@ -1821,7 +1821,7 @@
           <a:p>
             <a:fld id="{ADD072A5-80F2-459C-8EED-9DCE35A75F4A}" type="datetimeFigureOut">
               <a:rPr lang="en-GB" smtClean="0"/>
-              <a:t>09/05/2020</a:t>
+              <a:t>11/05/2020</a:t>
             </a:fld>
             <a:endParaRPr lang="en-GB"/>
           </a:p>
@@ -2098,7 +2098,7 @@
           <a:p>
             <a:fld id="{ADD072A5-80F2-459C-8EED-9DCE35A75F4A}" type="datetimeFigureOut">
               <a:rPr lang="en-GB" smtClean="0"/>
-              <a:t>09/05/2020</a:t>
+              <a:t>11/05/2020</a:t>
             </a:fld>
             <a:endParaRPr lang="en-GB"/>
           </a:p>
@@ -2351,7 +2351,7 @@
           <a:p>
             <a:fld id="{ADD072A5-80F2-459C-8EED-9DCE35A75F4A}" type="datetimeFigureOut">
               <a:rPr lang="en-GB" smtClean="0"/>
-              <a:t>09/05/2020</a:t>
+              <a:t>11/05/2020</a:t>
             </a:fld>
             <a:endParaRPr lang="en-GB"/>
           </a:p>
@@ -2564,7 +2564,7 @@
           <a:p>
             <a:fld id="{ADD072A5-80F2-459C-8EED-9DCE35A75F4A}" type="datetimeFigureOut">
               <a:rPr lang="en-GB" smtClean="0"/>
-              <a:t>09/05/2020</a:t>
+              <a:t>11/05/2020</a:t>
             </a:fld>
             <a:endParaRPr lang="en-GB"/>
           </a:p>
@@ -2971,14 +2971,14 @@
       </p:grpSpPr>
       <p:sp>
         <p:nvSpPr>
-          <p:cNvPr id="4" name="Cloud 3"/>
+          <p:cNvPr id="32" name="Cloud 31"/>
           <p:cNvSpPr/>
           <p:nvPr/>
         </p:nvSpPr>
         <p:spPr>
           <a:xfrm>
-            <a:off x="1282890" y="181183"/>
-            <a:ext cx="3698543" cy="2316357"/>
+            <a:off x="1508069" y="181183"/>
+            <a:ext cx="2674951" cy="2316357"/>
           </a:xfrm>
           <a:prstGeom prst="cloud">
             <a:avLst/>
@@ -3019,21 +3019,1090 @@
       </p:sp>
       <p:sp>
         <p:nvSpPr>
-          <p:cNvPr id="5" name="Lightning Bolt 4"/>
-          <p:cNvSpPr/>
+          <p:cNvPr id="33" name="TextBox 32"/>
+          <p:cNvSpPr txBox="1"/>
           <p:nvPr/>
         </p:nvSpPr>
         <p:spPr>
           <a:xfrm>
-            <a:off x="8472696" y="181183"/>
-            <a:ext cx="2065919" cy="2316357"/>
-          </a:xfrm>
-          <a:prstGeom prst="lightningBolt">
+            <a:off x="1508069" y="1077751"/>
+            <a:ext cx="2674951" cy="523220"/>
+          </a:xfrm>
+          <a:prstGeom prst="rect">
+            <a:avLst/>
+          </a:prstGeom>
+          <a:noFill/>
+        </p:spPr>
+        <p:txBody>
+          <a:bodyPr wrap="square" rtlCol="0" anchor="ctr">
+            <a:spAutoFit/>
+          </a:bodyPr>
+          <a:lstStyle/>
+          <a:p>
+            <a:pPr algn="ctr"/>
+            <a:r>
+              <a:rPr lang="en-GB" sz="2800" dirty="0" smtClean="0"/>
+              <a:t>Question</a:t>
+            </a:r>
+            <a:endParaRPr lang="en-GB" sz="2800" dirty="0"/>
+          </a:p>
+        </p:txBody>
+      </p:sp>
+      <p:sp>
+        <p:nvSpPr>
+          <p:cNvPr id="34" name="TextBox 33"/>
+          <p:cNvSpPr txBox="1"/>
+          <p:nvPr/>
+        </p:nvSpPr>
+        <p:spPr>
+          <a:xfrm>
+            <a:off x="8059392" y="2971729"/>
+            <a:ext cx="2256548" cy="369332"/>
+          </a:xfrm>
+          <a:prstGeom prst="rect">
             <a:avLst/>
           </a:prstGeom>
           <a:solidFill>
-            <a:schemeClr val="bg1"/>
+            <a:srgbClr val="00B0F0"/>
           </a:solidFill>
+          <a:ln>
+            <a:solidFill>
+              <a:srgbClr val="00B0F0"/>
+            </a:solidFill>
+          </a:ln>
+        </p:spPr>
+        <p:txBody>
+          <a:bodyPr wrap="square" rtlCol="0">
+            <a:spAutoFit/>
+          </a:bodyPr>
+          <a:lstStyle/>
+          <a:p>
+            <a:r>
+              <a:rPr lang="en-GB" dirty="0" smtClean="0"/>
+              <a:t>Key Fragments</a:t>
+            </a:r>
+            <a:endParaRPr lang="en-GB" dirty="0"/>
+          </a:p>
+        </p:txBody>
+      </p:sp>
+      <p:sp>
+        <p:nvSpPr>
+          <p:cNvPr id="35" name="TextBox 34"/>
+          <p:cNvSpPr txBox="1"/>
+          <p:nvPr/>
+        </p:nvSpPr>
+        <p:spPr>
+          <a:xfrm>
+            <a:off x="8059391" y="4306712"/>
+            <a:ext cx="2256548" cy="369332"/>
+          </a:xfrm>
+          <a:prstGeom prst="rect">
+            <a:avLst/>
+          </a:prstGeom>
+          <a:solidFill>
+            <a:srgbClr val="92D050"/>
+          </a:solidFill>
+          <a:ln>
+            <a:solidFill>
+              <a:srgbClr val="92D050"/>
+            </a:solidFill>
+          </a:ln>
+        </p:spPr>
+        <p:txBody>
+          <a:bodyPr wrap="square" rtlCol="0">
+            <a:spAutoFit/>
+          </a:bodyPr>
+          <a:lstStyle/>
+          <a:p>
+            <a:r>
+              <a:rPr lang="en-GB" dirty="0" smtClean="0"/>
+              <a:t>Synonyms</a:t>
+            </a:r>
+            <a:endParaRPr lang="en-GB" dirty="0"/>
+          </a:p>
+        </p:txBody>
+      </p:sp>
+      <p:sp>
+        <p:nvSpPr>
+          <p:cNvPr id="36" name="TextBox 35"/>
+          <p:cNvSpPr txBox="1"/>
+          <p:nvPr/>
+        </p:nvSpPr>
+        <p:spPr>
+          <a:xfrm>
+            <a:off x="8059392" y="4974610"/>
+            <a:ext cx="2256548" cy="369332"/>
+          </a:xfrm>
+          <a:prstGeom prst="rect">
+            <a:avLst/>
+          </a:prstGeom>
+          <a:solidFill>
+            <a:srgbClr val="FFFF00"/>
+          </a:solidFill>
+          <a:ln>
+            <a:solidFill>
+              <a:srgbClr val="FFFF00"/>
+            </a:solidFill>
+          </a:ln>
+        </p:spPr>
+        <p:txBody>
+          <a:bodyPr wrap="square" rtlCol="0">
+            <a:spAutoFit/>
+          </a:bodyPr>
+          <a:lstStyle/>
+          <a:p>
+            <a:r>
+              <a:rPr lang="en-GB" dirty="0" smtClean="0"/>
+              <a:t>Relationships</a:t>
+            </a:r>
+            <a:endParaRPr lang="en-GB" dirty="0"/>
+          </a:p>
+        </p:txBody>
+      </p:sp>
+      <p:sp>
+        <p:nvSpPr>
+          <p:cNvPr id="44" name="TextBox 43"/>
+          <p:cNvSpPr txBox="1"/>
+          <p:nvPr/>
+        </p:nvSpPr>
+        <p:spPr>
+          <a:xfrm>
+            <a:off x="8059391" y="3633346"/>
+            <a:ext cx="2256548" cy="369332"/>
+          </a:xfrm>
+          <a:prstGeom prst="rect">
+            <a:avLst/>
+          </a:prstGeom>
+          <a:solidFill>
+            <a:srgbClr val="7030A0"/>
+          </a:solidFill>
+          <a:ln>
+            <a:solidFill>
+              <a:schemeClr val="accent3">
+                <a:lumMod val="75000"/>
+              </a:schemeClr>
+            </a:solidFill>
+          </a:ln>
+        </p:spPr>
+        <p:txBody>
+          <a:bodyPr wrap="square" rtlCol="0">
+            <a:spAutoFit/>
+          </a:bodyPr>
+          <a:lstStyle/>
+          <a:p>
+            <a:r>
+              <a:rPr lang="en-GB" dirty="0" err="1" smtClean="0"/>
+              <a:t>Purposyms</a:t>
+            </a:r>
+            <a:endParaRPr lang="en-GB" dirty="0"/>
+          </a:p>
+        </p:txBody>
+      </p:sp>
+      <p:sp>
+        <p:nvSpPr>
+          <p:cNvPr id="45" name="TextBox 44"/>
+          <p:cNvSpPr txBox="1"/>
+          <p:nvPr/>
+        </p:nvSpPr>
+        <p:spPr>
+          <a:xfrm>
+            <a:off x="8059392" y="5641695"/>
+            <a:ext cx="2256548" cy="369332"/>
+          </a:xfrm>
+          <a:prstGeom prst="rect">
+            <a:avLst/>
+          </a:prstGeom>
+          <a:solidFill>
+            <a:srgbClr val="EAB200"/>
+          </a:solidFill>
+          <a:ln>
+            <a:solidFill>
+              <a:srgbClr val="EAB200"/>
+            </a:solidFill>
+          </a:ln>
+        </p:spPr>
+        <p:txBody>
+          <a:bodyPr wrap="square" rtlCol="0">
+            <a:spAutoFit/>
+          </a:bodyPr>
+          <a:lstStyle/>
+          <a:p>
+            <a:r>
+              <a:rPr lang="en-GB" dirty="0" smtClean="0"/>
+              <a:t>Causal Chains</a:t>
+            </a:r>
+            <a:endParaRPr lang="en-GB" dirty="0"/>
+          </a:p>
+        </p:txBody>
+      </p:sp>
+      <p:sp>
+        <p:nvSpPr>
+          <p:cNvPr id="46" name="TextBox 45"/>
+          <p:cNvSpPr txBox="1"/>
+          <p:nvPr/>
+        </p:nvSpPr>
+        <p:spPr>
+          <a:xfrm>
+            <a:off x="8059392" y="6308780"/>
+            <a:ext cx="2256548" cy="369332"/>
+          </a:xfrm>
+          <a:prstGeom prst="rect">
+            <a:avLst/>
+          </a:prstGeom>
+          <a:solidFill>
+            <a:srgbClr val="FF0000"/>
+          </a:solidFill>
+          <a:ln>
+            <a:solidFill>
+              <a:srgbClr val="FF0000"/>
+            </a:solidFill>
+          </a:ln>
+        </p:spPr>
+        <p:txBody>
+          <a:bodyPr wrap="square" rtlCol="0">
+            <a:spAutoFit/>
+          </a:bodyPr>
+          <a:lstStyle/>
+          <a:p>
+            <a:r>
+              <a:rPr lang="en-GB" dirty="0" smtClean="0"/>
+              <a:t>Counterfactuals/Imp.</a:t>
+            </a:r>
+            <a:endParaRPr lang="en-GB" dirty="0"/>
+          </a:p>
+        </p:txBody>
+      </p:sp>
+      <p:sp>
+        <p:nvSpPr>
+          <p:cNvPr id="47" name="TextBox 46"/>
+          <p:cNvSpPr txBox="1"/>
+          <p:nvPr/>
+        </p:nvSpPr>
+        <p:spPr>
+          <a:xfrm>
+            <a:off x="4783511" y="2971729"/>
+            <a:ext cx="2463432" cy="369332"/>
+          </a:xfrm>
+          <a:prstGeom prst="rect">
+            <a:avLst/>
+          </a:prstGeom>
+          <a:solidFill>
+            <a:schemeClr val="bg1">
+              <a:lumMod val="50000"/>
+            </a:schemeClr>
+          </a:solidFill>
+          <a:ln>
+            <a:solidFill>
+              <a:schemeClr val="bg1">
+                <a:lumMod val="50000"/>
+              </a:schemeClr>
+            </a:solidFill>
+          </a:ln>
+        </p:spPr>
+        <p:txBody>
+          <a:bodyPr wrap="square" rtlCol="0">
+            <a:spAutoFit/>
+          </a:bodyPr>
+          <a:lstStyle/>
+          <a:p>
+            <a:r>
+              <a:rPr lang="en-GB" dirty="0" smtClean="0"/>
+              <a:t>Exact Intent</a:t>
+            </a:r>
+            <a:endParaRPr lang="en-GB" dirty="0"/>
+          </a:p>
+        </p:txBody>
+      </p:sp>
+      <p:sp>
+        <p:nvSpPr>
+          <p:cNvPr id="48" name="TextBox 47"/>
+          <p:cNvSpPr txBox="1"/>
+          <p:nvPr/>
+        </p:nvSpPr>
+        <p:spPr>
+          <a:xfrm>
+            <a:off x="4783508" y="5636775"/>
+            <a:ext cx="2463434" cy="369332"/>
+          </a:xfrm>
+          <a:prstGeom prst="rect">
+            <a:avLst/>
+          </a:prstGeom>
+          <a:solidFill>
+            <a:schemeClr val="bg1">
+              <a:lumMod val="50000"/>
+            </a:schemeClr>
+          </a:solidFill>
+          <a:ln>
+            <a:solidFill>
+              <a:schemeClr val="bg1">
+                <a:lumMod val="50000"/>
+              </a:schemeClr>
+            </a:solidFill>
+          </a:ln>
+        </p:spPr>
+        <p:txBody>
+          <a:bodyPr wrap="square" rtlCol="0">
+            <a:spAutoFit/>
+          </a:bodyPr>
+          <a:lstStyle/>
+          <a:p>
+            <a:r>
+              <a:rPr lang="en-GB" dirty="0" smtClean="0"/>
+              <a:t>Literal Intent</a:t>
+            </a:r>
+            <a:endParaRPr lang="en-GB" dirty="0"/>
+          </a:p>
+        </p:txBody>
+      </p:sp>
+      <p:sp>
+        <p:nvSpPr>
+          <p:cNvPr id="49" name="TextBox 48"/>
+          <p:cNvSpPr txBox="1"/>
+          <p:nvPr/>
+        </p:nvSpPr>
+        <p:spPr>
+          <a:xfrm>
+            <a:off x="4783508" y="6308780"/>
+            <a:ext cx="2463434" cy="369332"/>
+          </a:xfrm>
+          <a:prstGeom prst="rect">
+            <a:avLst/>
+          </a:prstGeom>
+          <a:solidFill>
+            <a:schemeClr val="bg1">
+              <a:lumMod val="50000"/>
+            </a:schemeClr>
+          </a:solidFill>
+          <a:ln>
+            <a:solidFill>
+              <a:schemeClr val="bg1">
+                <a:lumMod val="50000"/>
+              </a:schemeClr>
+            </a:solidFill>
+          </a:ln>
+        </p:spPr>
+        <p:txBody>
+          <a:bodyPr wrap="square" rtlCol="0">
+            <a:spAutoFit/>
+          </a:bodyPr>
+          <a:lstStyle/>
+          <a:p>
+            <a:r>
+              <a:rPr lang="en-GB" dirty="0" smtClean="0"/>
+              <a:t>Poetic Intent</a:t>
+            </a:r>
+            <a:endParaRPr lang="en-GB" dirty="0"/>
+          </a:p>
+        </p:txBody>
+      </p:sp>
+      <p:sp>
+        <p:nvSpPr>
+          <p:cNvPr id="50" name="TextBox 49"/>
+          <p:cNvSpPr txBox="1"/>
+          <p:nvPr/>
+        </p:nvSpPr>
+        <p:spPr>
+          <a:xfrm>
+            <a:off x="1849250" y="2969089"/>
+            <a:ext cx="1903876" cy="369332"/>
+          </a:xfrm>
+          <a:prstGeom prst="rect">
+            <a:avLst/>
+          </a:prstGeom>
+          <a:solidFill>
+            <a:schemeClr val="tx1"/>
+          </a:solidFill>
+          <a:ln>
+            <a:solidFill>
+              <a:schemeClr val="tx1"/>
+            </a:solidFill>
+          </a:ln>
+        </p:spPr>
+        <p:txBody>
+          <a:bodyPr wrap="square" rtlCol="0">
+            <a:spAutoFit/>
+          </a:bodyPr>
+          <a:lstStyle/>
+          <a:p>
+            <a:r>
+              <a:rPr lang="en-GB" dirty="0" smtClean="0">
+                <a:solidFill>
+                  <a:schemeClr val="bg1"/>
+                </a:solidFill>
+              </a:rPr>
+              <a:t>What?</a:t>
+            </a:r>
+            <a:endParaRPr lang="en-GB" dirty="0">
+              <a:solidFill>
+                <a:schemeClr val="bg1"/>
+              </a:solidFill>
+            </a:endParaRPr>
+          </a:p>
+        </p:txBody>
+      </p:sp>
+      <p:sp>
+        <p:nvSpPr>
+          <p:cNvPr id="51" name="TextBox 50"/>
+          <p:cNvSpPr txBox="1"/>
+          <p:nvPr/>
+        </p:nvSpPr>
+        <p:spPr>
+          <a:xfrm>
+            <a:off x="1849250" y="3639627"/>
+            <a:ext cx="1903876" cy="369332"/>
+          </a:xfrm>
+          <a:prstGeom prst="rect">
+            <a:avLst/>
+          </a:prstGeom>
+          <a:solidFill>
+            <a:schemeClr val="tx1"/>
+          </a:solidFill>
+          <a:ln>
+            <a:solidFill>
+              <a:schemeClr val="tx1"/>
+            </a:solidFill>
+          </a:ln>
+        </p:spPr>
+        <p:txBody>
+          <a:bodyPr wrap="square" rtlCol="0">
+            <a:spAutoFit/>
+          </a:bodyPr>
+          <a:lstStyle/>
+          <a:p>
+            <a:r>
+              <a:rPr lang="en-GB" dirty="0" smtClean="0">
+                <a:solidFill>
+                  <a:schemeClr val="bg1"/>
+                </a:solidFill>
+              </a:rPr>
+              <a:t>Where?</a:t>
+            </a:r>
+            <a:endParaRPr lang="en-GB" dirty="0">
+              <a:solidFill>
+                <a:schemeClr val="bg1"/>
+              </a:solidFill>
+            </a:endParaRPr>
+          </a:p>
+        </p:txBody>
+      </p:sp>
+      <p:sp>
+        <p:nvSpPr>
+          <p:cNvPr id="52" name="TextBox 51"/>
+          <p:cNvSpPr txBox="1"/>
+          <p:nvPr/>
+        </p:nvSpPr>
+        <p:spPr>
+          <a:xfrm>
+            <a:off x="1849250" y="4307525"/>
+            <a:ext cx="1903876" cy="369332"/>
+          </a:xfrm>
+          <a:prstGeom prst="rect">
+            <a:avLst/>
+          </a:prstGeom>
+          <a:solidFill>
+            <a:schemeClr val="tx1"/>
+          </a:solidFill>
+          <a:ln>
+            <a:solidFill>
+              <a:schemeClr val="tx1"/>
+            </a:solidFill>
+          </a:ln>
+        </p:spPr>
+        <p:txBody>
+          <a:bodyPr wrap="square" rtlCol="0">
+            <a:spAutoFit/>
+          </a:bodyPr>
+          <a:lstStyle/>
+          <a:p>
+            <a:r>
+              <a:rPr lang="en-GB" dirty="0" smtClean="0">
+                <a:solidFill>
+                  <a:schemeClr val="bg1"/>
+                </a:solidFill>
+              </a:rPr>
+              <a:t>When?</a:t>
+            </a:r>
+            <a:endParaRPr lang="en-GB" dirty="0">
+              <a:solidFill>
+                <a:schemeClr val="bg1"/>
+              </a:solidFill>
+            </a:endParaRPr>
+          </a:p>
+        </p:txBody>
+      </p:sp>
+      <p:sp>
+        <p:nvSpPr>
+          <p:cNvPr id="53" name="TextBox 52"/>
+          <p:cNvSpPr txBox="1"/>
+          <p:nvPr/>
+        </p:nvSpPr>
+        <p:spPr>
+          <a:xfrm>
+            <a:off x="1849250" y="4974610"/>
+            <a:ext cx="1903876" cy="369332"/>
+          </a:xfrm>
+          <a:prstGeom prst="rect">
+            <a:avLst/>
+          </a:prstGeom>
+          <a:solidFill>
+            <a:schemeClr val="tx1"/>
+          </a:solidFill>
+          <a:ln>
+            <a:solidFill>
+              <a:schemeClr val="tx1"/>
+            </a:solidFill>
+          </a:ln>
+        </p:spPr>
+        <p:txBody>
+          <a:bodyPr wrap="square" rtlCol="0">
+            <a:spAutoFit/>
+          </a:bodyPr>
+          <a:lstStyle/>
+          <a:p>
+            <a:r>
+              <a:rPr lang="en-GB" dirty="0" smtClean="0">
+                <a:solidFill>
+                  <a:schemeClr val="bg1"/>
+                </a:solidFill>
+              </a:rPr>
+              <a:t>Who?</a:t>
+            </a:r>
+            <a:endParaRPr lang="en-GB" dirty="0">
+              <a:solidFill>
+                <a:schemeClr val="bg1"/>
+              </a:solidFill>
+            </a:endParaRPr>
+          </a:p>
+        </p:txBody>
+      </p:sp>
+      <p:sp>
+        <p:nvSpPr>
+          <p:cNvPr id="54" name="TextBox 53"/>
+          <p:cNvSpPr txBox="1"/>
+          <p:nvPr/>
+        </p:nvSpPr>
+        <p:spPr>
+          <a:xfrm>
+            <a:off x="1849250" y="5641695"/>
+            <a:ext cx="1903876" cy="369332"/>
+          </a:xfrm>
+          <a:prstGeom prst="rect">
+            <a:avLst/>
+          </a:prstGeom>
+          <a:solidFill>
+            <a:schemeClr val="tx1"/>
+          </a:solidFill>
+          <a:ln>
+            <a:solidFill>
+              <a:schemeClr val="tx1"/>
+            </a:solidFill>
+          </a:ln>
+        </p:spPr>
+        <p:txBody>
+          <a:bodyPr wrap="square" rtlCol="0">
+            <a:spAutoFit/>
+          </a:bodyPr>
+          <a:lstStyle/>
+          <a:p>
+            <a:r>
+              <a:rPr lang="en-GB" dirty="0" smtClean="0">
+                <a:solidFill>
+                  <a:schemeClr val="bg1"/>
+                </a:solidFill>
+              </a:rPr>
+              <a:t>How?</a:t>
+            </a:r>
+            <a:endParaRPr lang="en-GB" dirty="0">
+              <a:solidFill>
+                <a:schemeClr val="bg1"/>
+              </a:solidFill>
+            </a:endParaRPr>
+          </a:p>
+        </p:txBody>
+      </p:sp>
+      <p:sp>
+        <p:nvSpPr>
+          <p:cNvPr id="55" name="TextBox 54"/>
+          <p:cNvSpPr txBox="1"/>
+          <p:nvPr/>
+        </p:nvSpPr>
+        <p:spPr>
+          <a:xfrm>
+            <a:off x="1849250" y="6308780"/>
+            <a:ext cx="1903876" cy="369332"/>
+          </a:xfrm>
+          <a:prstGeom prst="rect">
+            <a:avLst/>
+          </a:prstGeom>
+          <a:solidFill>
+            <a:schemeClr val="tx1"/>
+          </a:solidFill>
+          <a:ln>
+            <a:solidFill>
+              <a:schemeClr val="tx1"/>
+            </a:solidFill>
+          </a:ln>
+        </p:spPr>
+        <p:txBody>
+          <a:bodyPr wrap="square" rtlCol="0">
+            <a:spAutoFit/>
+          </a:bodyPr>
+          <a:lstStyle/>
+          <a:p>
+            <a:r>
+              <a:rPr lang="en-GB" dirty="0" smtClean="0">
+                <a:solidFill>
+                  <a:schemeClr val="bg1"/>
+                </a:solidFill>
+              </a:rPr>
+              <a:t>Why?</a:t>
+            </a:r>
+            <a:endParaRPr lang="en-GB" dirty="0">
+              <a:solidFill>
+                <a:schemeClr val="bg1"/>
+              </a:solidFill>
+            </a:endParaRPr>
+          </a:p>
+        </p:txBody>
+      </p:sp>
+      <p:sp>
+        <p:nvSpPr>
+          <p:cNvPr id="56" name="TextBox 55"/>
+          <p:cNvSpPr txBox="1"/>
+          <p:nvPr/>
+        </p:nvSpPr>
+        <p:spPr>
+          <a:xfrm>
+            <a:off x="4783509" y="4309985"/>
+            <a:ext cx="2463433" cy="369332"/>
+          </a:xfrm>
+          <a:prstGeom prst="rect">
+            <a:avLst/>
+          </a:prstGeom>
+          <a:solidFill>
+            <a:schemeClr val="bg1">
+              <a:lumMod val="50000"/>
+            </a:schemeClr>
+          </a:solidFill>
+          <a:ln>
+            <a:solidFill>
+              <a:schemeClr val="bg1">
+                <a:lumMod val="50000"/>
+              </a:schemeClr>
+            </a:solidFill>
+          </a:ln>
+        </p:spPr>
+        <p:txBody>
+          <a:bodyPr wrap="square" rtlCol="0">
+            <a:spAutoFit/>
+          </a:bodyPr>
+          <a:lstStyle/>
+          <a:p>
+            <a:r>
+              <a:rPr lang="en-GB" dirty="0" smtClean="0"/>
+              <a:t>Constituent Intent</a:t>
+            </a:r>
+            <a:endParaRPr lang="en-GB" dirty="0"/>
+          </a:p>
+        </p:txBody>
+      </p:sp>
+      <p:sp>
+        <p:nvSpPr>
+          <p:cNvPr id="57" name="TextBox 56"/>
+          <p:cNvSpPr txBox="1"/>
+          <p:nvPr/>
+        </p:nvSpPr>
+        <p:spPr>
+          <a:xfrm>
+            <a:off x="4783511" y="4974610"/>
+            <a:ext cx="2463432" cy="369332"/>
+          </a:xfrm>
+          <a:prstGeom prst="rect">
+            <a:avLst/>
+          </a:prstGeom>
+          <a:solidFill>
+            <a:schemeClr val="bg1">
+              <a:lumMod val="50000"/>
+            </a:schemeClr>
+          </a:solidFill>
+          <a:ln>
+            <a:solidFill>
+              <a:schemeClr val="bg1">
+                <a:lumMod val="50000"/>
+              </a:schemeClr>
+            </a:solidFill>
+          </a:ln>
+        </p:spPr>
+        <p:txBody>
+          <a:bodyPr wrap="square" rtlCol="0">
+            <a:spAutoFit/>
+          </a:bodyPr>
+          <a:lstStyle/>
+          <a:p>
+            <a:r>
+              <a:rPr lang="en-GB" dirty="0" smtClean="0"/>
+              <a:t>Aggregate Intent</a:t>
+            </a:r>
+            <a:endParaRPr lang="en-GB" dirty="0"/>
+          </a:p>
+        </p:txBody>
+      </p:sp>
+      <p:sp>
+        <p:nvSpPr>
+          <p:cNvPr id="58" name="TextBox 57"/>
+          <p:cNvSpPr txBox="1"/>
+          <p:nvPr/>
+        </p:nvSpPr>
+        <p:spPr>
+          <a:xfrm>
+            <a:off x="4783508" y="3637980"/>
+            <a:ext cx="2463434" cy="369332"/>
+          </a:xfrm>
+          <a:prstGeom prst="rect">
+            <a:avLst/>
+          </a:prstGeom>
+          <a:solidFill>
+            <a:schemeClr val="bg1">
+              <a:lumMod val="50000"/>
+            </a:schemeClr>
+          </a:solidFill>
+          <a:ln>
+            <a:solidFill>
+              <a:schemeClr val="bg1">
+                <a:lumMod val="50000"/>
+              </a:schemeClr>
+            </a:solidFill>
+          </a:ln>
+        </p:spPr>
+        <p:txBody>
+          <a:bodyPr wrap="square" rtlCol="0">
+            <a:spAutoFit/>
+          </a:bodyPr>
+          <a:lstStyle/>
+          <a:p>
+            <a:r>
+              <a:rPr lang="en-GB" dirty="0" smtClean="0"/>
+              <a:t>Comparison Intent</a:t>
+            </a:r>
+            <a:endParaRPr lang="en-GB" dirty="0"/>
+          </a:p>
+        </p:txBody>
+      </p:sp>
+      <p:sp>
+        <p:nvSpPr>
+          <p:cNvPr id="59" name="TextBox 58"/>
+          <p:cNvSpPr txBox="1"/>
+          <p:nvPr/>
+        </p:nvSpPr>
+        <p:spPr>
+          <a:xfrm>
+            <a:off x="10315958" y="4977250"/>
+            <a:ext cx="1245363" cy="369332"/>
+          </a:xfrm>
+          <a:prstGeom prst="rect">
+            <a:avLst/>
+          </a:prstGeom>
+          <a:noFill/>
+        </p:spPr>
+        <p:txBody>
+          <a:bodyPr wrap="square" rtlCol="0">
+            <a:spAutoFit/>
+          </a:bodyPr>
+          <a:lstStyle/>
+          <a:p>
+            <a:r>
+              <a:rPr lang="en-GB" b="1" dirty="0" smtClean="0">
+                <a:solidFill>
+                  <a:srgbClr val="FFFF00"/>
+                </a:solidFill>
+              </a:rPr>
+              <a:t>v_01.04</a:t>
+            </a:r>
+            <a:endParaRPr lang="en-GB" b="1" dirty="0">
+              <a:solidFill>
+                <a:srgbClr val="FFFF00"/>
+              </a:solidFill>
+            </a:endParaRPr>
+          </a:p>
+        </p:txBody>
+      </p:sp>
+      <p:sp>
+        <p:nvSpPr>
+          <p:cNvPr id="60" name="TextBox 59"/>
+          <p:cNvSpPr txBox="1"/>
+          <p:nvPr/>
+        </p:nvSpPr>
+        <p:spPr>
+          <a:xfrm>
+            <a:off x="10315959" y="4306712"/>
+            <a:ext cx="1245363" cy="369332"/>
+          </a:xfrm>
+          <a:prstGeom prst="rect">
+            <a:avLst/>
+          </a:prstGeom>
+          <a:noFill/>
+        </p:spPr>
+        <p:txBody>
+          <a:bodyPr wrap="square" rtlCol="0">
+            <a:spAutoFit/>
+          </a:bodyPr>
+          <a:lstStyle/>
+          <a:p>
+            <a:r>
+              <a:rPr lang="en-GB" b="1" dirty="0" smtClean="0">
+                <a:solidFill>
+                  <a:srgbClr val="92D050"/>
+                </a:solidFill>
+              </a:rPr>
+              <a:t>v_01.03</a:t>
+            </a:r>
+            <a:endParaRPr lang="en-GB" b="1" dirty="0">
+              <a:solidFill>
+                <a:srgbClr val="92D050"/>
+              </a:solidFill>
+            </a:endParaRPr>
+          </a:p>
+        </p:txBody>
+      </p:sp>
+      <p:sp>
+        <p:nvSpPr>
+          <p:cNvPr id="61" name="TextBox 60"/>
+          <p:cNvSpPr txBox="1"/>
+          <p:nvPr/>
+        </p:nvSpPr>
+        <p:spPr>
+          <a:xfrm>
+            <a:off x="10315959" y="2969089"/>
+            <a:ext cx="1245363" cy="369332"/>
+          </a:xfrm>
+          <a:prstGeom prst="rect">
+            <a:avLst/>
+          </a:prstGeom>
+          <a:noFill/>
+        </p:spPr>
+        <p:txBody>
+          <a:bodyPr wrap="square" rtlCol="0">
+            <a:spAutoFit/>
+          </a:bodyPr>
+          <a:lstStyle/>
+          <a:p>
+            <a:r>
+              <a:rPr lang="en-GB" b="1" dirty="0" smtClean="0">
+                <a:solidFill>
+                  <a:srgbClr val="00B0F0"/>
+                </a:solidFill>
+              </a:rPr>
+              <a:t>v_01.01</a:t>
+            </a:r>
+            <a:endParaRPr lang="en-GB" b="1" dirty="0">
+              <a:solidFill>
+                <a:srgbClr val="00B0F0"/>
+              </a:solidFill>
+            </a:endParaRPr>
+          </a:p>
+        </p:txBody>
+      </p:sp>
+      <p:sp>
+        <p:nvSpPr>
+          <p:cNvPr id="62" name="TextBox 61"/>
+          <p:cNvSpPr txBox="1"/>
+          <p:nvPr/>
+        </p:nvSpPr>
+        <p:spPr>
+          <a:xfrm>
+            <a:off x="10315939" y="3645720"/>
+            <a:ext cx="1245363" cy="369332"/>
+          </a:xfrm>
+          <a:prstGeom prst="rect">
+            <a:avLst/>
+          </a:prstGeom>
+          <a:noFill/>
+        </p:spPr>
+        <p:txBody>
+          <a:bodyPr wrap="square" rtlCol="0">
+            <a:spAutoFit/>
+          </a:bodyPr>
+          <a:lstStyle/>
+          <a:p>
+            <a:r>
+              <a:rPr lang="en-GB" b="1" dirty="0" smtClean="0">
+                <a:solidFill>
+                  <a:srgbClr val="7030A0"/>
+                </a:solidFill>
+              </a:rPr>
+              <a:t>v_01.02</a:t>
+            </a:r>
+            <a:endParaRPr lang="en-GB" b="1" dirty="0">
+              <a:solidFill>
+                <a:srgbClr val="7030A0"/>
+              </a:solidFill>
+            </a:endParaRPr>
+          </a:p>
+        </p:txBody>
+      </p:sp>
+      <p:sp>
+        <p:nvSpPr>
+          <p:cNvPr id="63" name="TextBox 62"/>
+          <p:cNvSpPr txBox="1"/>
+          <p:nvPr/>
+        </p:nvSpPr>
+        <p:spPr>
+          <a:xfrm>
+            <a:off x="5286121" y="2312873"/>
+            <a:ext cx="1245363" cy="369332"/>
+          </a:xfrm>
+          <a:prstGeom prst="rect">
+            <a:avLst/>
+          </a:prstGeom>
+          <a:noFill/>
+        </p:spPr>
+        <p:txBody>
+          <a:bodyPr wrap="square" rtlCol="0">
+            <a:spAutoFit/>
+          </a:bodyPr>
+          <a:lstStyle/>
+          <a:p>
+            <a:r>
+              <a:rPr lang="en-GB" b="1" dirty="0" smtClean="0">
+                <a:solidFill>
+                  <a:schemeClr val="bg1">
+                    <a:lumMod val="50000"/>
+                  </a:schemeClr>
+                </a:solidFill>
+              </a:rPr>
+              <a:t>v_01.08</a:t>
+            </a:r>
+            <a:endParaRPr lang="en-GB" b="1" dirty="0">
+              <a:solidFill>
+                <a:schemeClr val="bg1">
+                  <a:lumMod val="50000"/>
+                </a:schemeClr>
+              </a:solidFill>
+            </a:endParaRPr>
+          </a:p>
+        </p:txBody>
+      </p:sp>
+      <p:sp>
+        <p:nvSpPr>
+          <p:cNvPr id="64" name="TextBox 63"/>
+          <p:cNvSpPr txBox="1"/>
+          <p:nvPr/>
+        </p:nvSpPr>
+        <p:spPr>
+          <a:xfrm>
+            <a:off x="586846" y="4605278"/>
+            <a:ext cx="1245363" cy="369332"/>
+          </a:xfrm>
+          <a:prstGeom prst="rect">
+            <a:avLst/>
+          </a:prstGeom>
+          <a:noFill/>
+        </p:spPr>
+        <p:txBody>
+          <a:bodyPr wrap="square" rtlCol="0">
+            <a:spAutoFit/>
+          </a:bodyPr>
+          <a:lstStyle/>
+          <a:p>
+            <a:r>
+              <a:rPr lang="en-GB" b="1" dirty="0" smtClean="0"/>
+              <a:t>v_01.07</a:t>
+            </a:r>
+            <a:endParaRPr lang="en-GB" b="1" dirty="0"/>
+          </a:p>
+        </p:txBody>
+      </p:sp>
+      <p:sp>
+        <p:nvSpPr>
+          <p:cNvPr id="65" name="TextBox 64"/>
+          <p:cNvSpPr txBox="1"/>
+          <p:nvPr/>
+        </p:nvSpPr>
+        <p:spPr>
+          <a:xfrm>
+            <a:off x="10315939" y="6308780"/>
+            <a:ext cx="1245363" cy="369332"/>
+          </a:xfrm>
+          <a:prstGeom prst="rect">
+            <a:avLst/>
+          </a:prstGeom>
+          <a:noFill/>
+        </p:spPr>
+        <p:txBody>
+          <a:bodyPr wrap="square" rtlCol="0">
+            <a:spAutoFit/>
+          </a:bodyPr>
+          <a:lstStyle/>
+          <a:p>
+            <a:r>
+              <a:rPr lang="en-GB" b="1" dirty="0" smtClean="0">
+                <a:solidFill>
+                  <a:srgbClr val="FF0000"/>
+                </a:solidFill>
+              </a:rPr>
+              <a:t>v_01.06</a:t>
+            </a:r>
+            <a:endParaRPr lang="en-GB" b="1" dirty="0">
+              <a:solidFill>
+                <a:srgbClr val="FF0000"/>
+              </a:solidFill>
+            </a:endParaRPr>
+          </a:p>
+        </p:txBody>
+      </p:sp>
+      <p:sp>
+        <p:nvSpPr>
+          <p:cNvPr id="66" name="TextBox 65"/>
+          <p:cNvSpPr txBox="1"/>
+          <p:nvPr/>
+        </p:nvSpPr>
+        <p:spPr>
+          <a:xfrm>
+            <a:off x="10315939" y="5647788"/>
+            <a:ext cx="1245363" cy="369332"/>
+          </a:xfrm>
+          <a:prstGeom prst="rect">
+            <a:avLst/>
+          </a:prstGeom>
+          <a:noFill/>
+        </p:spPr>
+        <p:txBody>
+          <a:bodyPr wrap="square" rtlCol="0">
+            <a:spAutoFit/>
+          </a:bodyPr>
+          <a:lstStyle/>
+          <a:p>
+            <a:r>
+              <a:rPr lang="en-GB" b="1" dirty="0" smtClean="0">
+                <a:solidFill>
+                  <a:srgbClr val="EAB200"/>
+                </a:solidFill>
+              </a:rPr>
+              <a:t>v_01.05</a:t>
+            </a:r>
+            <a:endParaRPr lang="en-GB" b="1" dirty="0">
+              <a:solidFill>
+                <a:srgbClr val="EAB200"/>
+              </a:solidFill>
+            </a:endParaRPr>
+          </a:p>
+        </p:txBody>
+      </p:sp>
+      <p:sp>
+        <p:nvSpPr>
+          <p:cNvPr id="67" name="Teardrop 66"/>
+          <p:cNvSpPr/>
+          <p:nvPr/>
+        </p:nvSpPr>
+        <p:spPr>
+          <a:xfrm>
+            <a:off x="8059391" y="181183"/>
+            <a:ext cx="2019056" cy="2322695"/>
+          </a:xfrm>
+          <a:prstGeom prst="teardrop">
+            <a:avLst/>
+          </a:prstGeom>
+          <a:noFill/>
           <a:ln>
             <a:solidFill>
               <a:srgbClr val="002060"/>
@@ -3061,19 +4130,67 @@
           <a:lstStyle/>
           <a:p>
             <a:pPr algn="ctr"/>
+            <a:endParaRPr lang="en-GB"/>
+          </a:p>
+        </p:txBody>
+      </p:sp>
+      <p:sp>
+        <p:nvSpPr>
+          <p:cNvPr id="68" name="Lightning Bolt 67"/>
+          <p:cNvSpPr/>
+          <p:nvPr/>
+        </p:nvSpPr>
+        <p:spPr>
+          <a:xfrm>
+            <a:off x="4999333" y="181183"/>
+            <a:ext cx="2065919" cy="2316357"/>
+          </a:xfrm>
+          <a:prstGeom prst="lightningBolt">
+            <a:avLst/>
+          </a:prstGeom>
+          <a:solidFill>
+            <a:schemeClr val="bg1"/>
+          </a:solidFill>
+          <a:ln>
+            <a:solidFill>
+              <a:srgbClr val="002060"/>
+            </a:solidFill>
+          </a:ln>
+        </p:spPr>
+        <p:style>
+          <a:lnRef idx="2">
+            <a:schemeClr val="accent1">
+              <a:shade val="50000"/>
+            </a:schemeClr>
+          </a:lnRef>
+          <a:fillRef idx="1">
+            <a:schemeClr val="accent1"/>
+          </a:fillRef>
+          <a:effectRef idx="0">
+            <a:schemeClr val="accent1"/>
+          </a:effectRef>
+          <a:fontRef idx="minor">
+            <a:schemeClr val="lt1"/>
+          </a:fontRef>
+        </p:style>
+        <p:txBody>
+          <a:bodyPr rtlCol="0" anchor="ctr"/>
+          <a:lstStyle/>
+          <a:p>
+            <a:pPr algn="ctr"/>
             <a:endParaRPr lang="en-GB" sz="4000" dirty="0" smtClean="0"/>
           </a:p>
         </p:txBody>
       </p:sp>
       <p:sp>
         <p:nvSpPr>
-          <p:cNvPr id="6" name="TextBox 5"/>
+          <p:cNvPr id="69" name="TextBox 68"/>
           <p:cNvSpPr txBox="1"/>
           <p:nvPr/>
         </p:nvSpPr>
         <p:spPr>
           <a:xfrm>
-            <a:off x="1944806" y="1077751"/>
+            <a:off x="4844937" y="1077751"/>
             <a:ext cx="2374710" cy="523220"/>
           </a:xfrm>
           <a:prstGeom prst="rect">
@@ -3090,7 +4207,7 @@
             <a:pPr algn="ctr"/>
             <a:r>
               <a:rPr lang="en-GB" sz="2800" dirty="0" smtClean="0"/>
-              <a:t>Question</a:t>
+              <a:t>Understanding</a:t>
             </a:r>
             <a:endParaRPr lang="en-GB" sz="2800" dirty="0"/>
           </a:p>
@@ -3098,13 +4215,151 @@
       </p:sp>
       <p:sp>
         <p:nvSpPr>
-          <p:cNvPr id="7" name="TextBox 6"/>
+          <p:cNvPr id="70" name="Teardrop 69"/>
+          <p:cNvSpPr/>
+          <p:nvPr/>
+        </p:nvSpPr>
+        <p:spPr>
+          <a:xfrm>
+            <a:off x="8211791" y="333583"/>
+            <a:ext cx="1866656" cy="2163957"/>
+          </a:xfrm>
+          <a:prstGeom prst="teardrop">
+            <a:avLst/>
+          </a:prstGeom>
+          <a:noFill/>
+          <a:ln>
+            <a:solidFill>
+              <a:srgbClr val="002060"/>
+            </a:solidFill>
+          </a:ln>
+        </p:spPr>
+        <p:style>
+          <a:lnRef idx="2">
+            <a:schemeClr val="accent1">
+              <a:shade val="50000"/>
+            </a:schemeClr>
+          </a:lnRef>
+          <a:fillRef idx="1">
+            <a:schemeClr val="accent1"/>
+          </a:fillRef>
+          <a:effectRef idx="0">
+            <a:schemeClr val="accent1"/>
+          </a:effectRef>
+          <a:fontRef idx="minor">
+            <a:schemeClr val="lt1"/>
+          </a:fontRef>
+        </p:style>
+        <p:txBody>
+          <a:bodyPr rtlCol="0" anchor="ctr"/>
+          <a:lstStyle/>
+          <a:p>
+            <a:pPr algn="ctr"/>
+            <a:endParaRPr lang="en-GB"/>
+          </a:p>
+        </p:txBody>
+      </p:sp>
+      <p:sp>
+        <p:nvSpPr>
+          <p:cNvPr id="71" name="Teardrop 70"/>
+          <p:cNvSpPr/>
+          <p:nvPr/>
+        </p:nvSpPr>
+        <p:spPr>
+          <a:xfrm>
+            <a:off x="8364191" y="485983"/>
+            <a:ext cx="1714256" cy="2020535"/>
+          </a:xfrm>
+          <a:prstGeom prst="teardrop">
+            <a:avLst/>
+          </a:prstGeom>
+          <a:noFill/>
+          <a:ln>
+            <a:solidFill>
+              <a:srgbClr val="002060"/>
+            </a:solidFill>
+          </a:ln>
+        </p:spPr>
+        <p:style>
+          <a:lnRef idx="2">
+            <a:schemeClr val="accent1">
+              <a:shade val="50000"/>
+            </a:schemeClr>
+          </a:lnRef>
+          <a:fillRef idx="1">
+            <a:schemeClr val="accent1"/>
+          </a:fillRef>
+          <a:effectRef idx="0">
+            <a:schemeClr val="accent1"/>
+          </a:effectRef>
+          <a:fontRef idx="minor">
+            <a:schemeClr val="lt1"/>
+          </a:fontRef>
+        </p:style>
+        <p:txBody>
+          <a:bodyPr rtlCol="0" anchor="ctr"/>
+          <a:lstStyle/>
+          <a:p>
+            <a:pPr algn="ctr"/>
+            <a:endParaRPr lang="en-GB"/>
+          </a:p>
+        </p:txBody>
+      </p:sp>
+      <p:sp>
+        <p:nvSpPr>
+          <p:cNvPr id="72" name="Teardrop 71"/>
+          <p:cNvSpPr/>
+          <p:nvPr/>
+        </p:nvSpPr>
+        <p:spPr>
+          <a:xfrm>
+            <a:off x="8516591" y="638383"/>
+            <a:ext cx="1561856" cy="1868135"/>
+          </a:xfrm>
+          <a:prstGeom prst="teardrop">
+            <a:avLst/>
+          </a:prstGeom>
+          <a:noFill/>
+          <a:ln>
+            <a:solidFill>
+              <a:srgbClr val="002060"/>
+            </a:solidFill>
+          </a:ln>
+        </p:spPr>
+        <p:style>
+          <a:lnRef idx="2">
+            <a:schemeClr val="accent1">
+              <a:shade val="50000"/>
+            </a:schemeClr>
+          </a:lnRef>
+          <a:fillRef idx="1">
+            <a:schemeClr val="accent1"/>
+          </a:fillRef>
+          <a:effectRef idx="0">
+            <a:schemeClr val="accent1"/>
+          </a:effectRef>
+          <a:fontRef idx="minor">
+            <a:schemeClr val="lt1"/>
+          </a:fontRef>
+        </p:style>
+        <p:txBody>
+          <a:bodyPr rtlCol="0" anchor="ctr"/>
+          <a:lstStyle/>
+          <a:p>
+            <a:pPr algn="ctr"/>
+            <a:endParaRPr lang="en-GB"/>
+          </a:p>
+        </p:txBody>
+      </p:sp>
+      <p:sp>
+        <p:nvSpPr>
+          <p:cNvPr id="73" name="TextBox 72"/>
           <p:cNvSpPr txBox="1"/>
           <p:nvPr/>
         </p:nvSpPr>
         <p:spPr>
           <a:xfrm>
-            <a:off x="8318300" y="1077751"/>
+            <a:off x="7881564" y="1077751"/>
             <a:ext cx="2374710" cy="523220"/>
           </a:xfrm>
           <a:prstGeom prst="rect">
@@ -3124,1054 +4379,6 @@
               <a:t>Answer</a:t>
             </a:r>
             <a:endParaRPr lang="en-GB" sz="2800" dirty="0"/>
-          </a:p>
-        </p:txBody>
-      </p:sp>
-      <p:sp>
-        <p:nvSpPr>
-          <p:cNvPr id="8" name="TextBox 7"/>
-          <p:cNvSpPr txBox="1"/>
-          <p:nvPr/>
-        </p:nvSpPr>
-        <p:spPr>
-          <a:xfrm>
-            <a:off x="8666320" y="2971729"/>
-            <a:ext cx="2086355" cy="369332"/>
-          </a:xfrm>
-          <a:prstGeom prst="rect">
-            <a:avLst/>
-          </a:prstGeom>
-          <a:solidFill>
-            <a:srgbClr val="00B0F0"/>
-          </a:solidFill>
-          <a:ln>
-            <a:solidFill>
-              <a:srgbClr val="00B0F0"/>
-            </a:solidFill>
-          </a:ln>
-        </p:spPr>
-        <p:txBody>
-          <a:bodyPr wrap="square" rtlCol="0">
-            <a:spAutoFit/>
-          </a:bodyPr>
-          <a:lstStyle/>
-          <a:p>
-            <a:r>
-              <a:rPr lang="en-GB" dirty="0" smtClean="0"/>
-              <a:t>Key Fragments</a:t>
-            </a:r>
-            <a:endParaRPr lang="en-GB" dirty="0"/>
-          </a:p>
-        </p:txBody>
-      </p:sp>
-      <p:sp>
-        <p:nvSpPr>
-          <p:cNvPr id="9" name="TextBox 8"/>
-          <p:cNvSpPr txBox="1"/>
-          <p:nvPr/>
-        </p:nvSpPr>
-        <p:spPr>
-          <a:xfrm>
-            <a:off x="8666321" y="4306712"/>
-            <a:ext cx="2086354" cy="369332"/>
-          </a:xfrm>
-          <a:prstGeom prst="rect">
-            <a:avLst/>
-          </a:prstGeom>
-          <a:solidFill>
-            <a:srgbClr val="92D050"/>
-          </a:solidFill>
-          <a:ln>
-            <a:solidFill>
-              <a:srgbClr val="92D050"/>
-            </a:solidFill>
-          </a:ln>
-        </p:spPr>
-        <p:txBody>
-          <a:bodyPr wrap="square" rtlCol="0">
-            <a:spAutoFit/>
-          </a:bodyPr>
-          <a:lstStyle/>
-          <a:p>
-            <a:r>
-              <a:rPr lang="en-GB" dirty="0" err="1" smtClean="0"/>
-              <a:t>Purposyms</a:t>
-            </a:r>
-            <a:endParaRPr lang="en-GB" dirty="0"/>
-          </a:p>
-        </p:txBody>
-      </p:sp>
-      <p:sp>
-        <p:nvSpPr>
-          <p:cNvPr id="10" name="TextBox 9"/>
-          <p:cNvSpPr txBox="1"/>
-          <p:nvPr/>
-        </p:nvSpPr>
-        <p:spPr>
-          <a:xfrm>
-            <a:off x="8666322" y="4974610"/>
-            <a:ext cx="2086353" cy="369332"/>
-          </a:xfrm>
-          <a:prstGeom prst="rect">
-            <a:avLst/>
-          </a:prstGeom>
-          <a:solidFill>
-            <a:srgbClr val="FFFF00"/>
-          </a:solidFill>
-          <a:ln>
-            <a:solidFill>
-              <a:srgbClr val="FFFF00"/>
-            </a:solidFill>
-          </a:ln>
-        </p:spPr>
-        <p:txBody>
-          <a:bodyPr wrap="square" rtlCol="0">
-            <a:spAutoFit/>
-          </a:bodyPr>
-          <a:lstStyle/>
-          <a:p>
-            <a:r>
-              <a:rPr lang="en-GB" dirty="0" smtClean="0"/>
-              <a:t>Relationships</a:t>
-            </a:r>
-            <a:endParaRPr lang="en-GB" dirty="0"/>
-          </a:p>
-        </p:txBody>
-      </p:sp>
-      <p:sp>
-        <p:nvSpPr>
-          <p:cNvPr id="11" name="TextBox 10"/>
-          <p:cNvSpPr txBox="1"/>
-          <p:nvPr/>
-        </p:nvSpPr>
-        <p:spPr>
-          <a:xfrm>
-            <a:off x="8666319" y="3633346"/>
-            <a:ext cx="2086356" cy="369332"/>
-          </a:xfrm>
-          <a:prstGeom prst="rect">
-            <a:avLst/>
-          </a:prstGeom>
-          <a:solidFill>
-            <a:srgbClr val="7030A0"/>
-          </a:solidFill>
-          <a:ln>
-            <a:solidFill>
-              <a:schemeClr val="accent3">
-                <a:lumMod val="75000"/>
-              </a:schemeClr>
-            </a:solidFill>
-          </a:ln>
-        </p:spPr>
-        <p:txBody>
-          <a:bodyPr wrap="square" rtlCol="0">
-            <a:spAutoFit/>
-          </a:bodyPr>
-          <a:lstStyle/>
-          <a:p>
-            <a:r>
-              <a:rPr lang="en-GB" dirty="0" smtClean="0"/>
-              <a:t>Synonyms</a:t>
-            </a:r>
-            <a:endParaRPr lang="en-GB" dirty="0"/>
-          </a:p>
-        </p:txBody>
-      </p:sp>
-      <p:sp>
-        <p:nvSpPr>
-          <p:cNvPr id="12" name="TextBox 11"/>
-          <p:cNvSpPr txBox="1"/>
-          <p:nvPr/>
-        </p:nvSpPr>
-        <p:spPr>
-          <a:xfrm>
-            <a:off x="8666320" y="5641695"/>
-            <a:ext cx="2086355" cy="369332"/>
-          </a:xfrm>
-          <a:prstGeom prst="rect">
-            <a:avLst/>
-          </a:prstGeom>
-          <a:solidFill>
-            <a:srgbClr val="EAB200"/>
-          </a:solidFill>
-          <a:ln>
-            <a:solidFill>
-              <a:srgbClr val="EAB200"/>
-            </a:solidFill>
-          </a:ln>
-        </p:spPr>
-        <p:txBody>
-          <a:bodyPr wrap="square" rtlCol="0">
-            <a:spAutoFit/>
-          </a:bodyPr>
-          <a:lstStyle/>
-          <a:p>
-            <a:r>
-              <a:rPr lang="en-GB" dirty="0" smtClean="0"/>
-              <a:t>Causal Chain</a:t>
-            </a:r>
-            <a:endParaRPr lang="en-GB" dirty="0"/>
-          </a:p>
-        </p:txBody>
-      </p:sp>
-      <p:sp>
-        <p:nvSpPr>
-          <p:cNvPr id="13" name="TextBox 12"/>
-          <p:cNvSpPr txBox="1"/>
-          <p:nvPr/>
-        </p:nvSpPr>
-        <p:spPr>
-          <a:xfrm>
-            <a:off x="8666320" y="6308780"/>
-            <a:ext cx="2086355" cy="369332"/>
-          </a:xfrm>
-          <a:prstGeom prst="rect">
-            <a:avLst/>
-          </a:prstGeom>
-          <a:solidFill>
-            <a:srgbClr val="FF0000"/>
-          </a:solidFill>
-          <a:ln>
-            <a:solidFill>
-              <a:srgbClr val="FF0000"/>
-            </a:solidFill>
-          </a:ln>
-        </p:spPr>
-        <p:txBody>
-          <a:bodyPr wrap="square" rtlCol="0">
-            <a:spAutoFit/>
-          </a:bodyPr>
-          <a:lstStyle/>
-          <a:p>
-            <a:r>
-              <a:rPr lang="en-GB" dirty="0" smtClean="0"/>
-              <a:t>Adjacent Context</a:t>
-            </a:r>
-            <a:endParaRPr lang="en-GB" dirty="0"/>
-          </a:p>
-        </p:txBody>
-      </p:sp>
-      <p:sp>
-        <p:nvSpPr>
-          <p:cNvPr id="15" name="TextBox 14"/>
-          <p:cNvSpPr txBox="1"/>
-          <p:nvPr/>
-        </p:nvSpPr>
-        <p:spPr>
-          <a:xfrm>
-            <a:off x="5220247" y="2971729"/>
-            <a:ext cx="2463432" cy="369332"/>
-          </a:xfrm>
-          <a:prstGeom prst="rect">
-            <a:avLst/>
-          </a:prstGeom>
-          <a:solidFill>
-            <a:schemeClr val="bg1">
-              <a:lumMod val="50000"/>
-            </a:schemeClr>
-          </a:solidFill>
-          <a:ln>
-            <a:solidFill>
-              <a:schemeClr val="bg1">
-                <a:lumMod val="50000"/>
-              </a:schemeClr>
-            </a:solidFill>
-          </a:ln>
-        </p:spPr>
-        <p:txBody>
-          <a:bodyPr wrap="square" rtlCol="0">
-            <a:spAutoFit/>
-          </a:bodyPr>
-          <a:lstStyle/>
-          <a:p>
-            <a:r>
-              <a:rPr lang="en-GB" dirty="0" smtClean="0"/>
-              <a:t>Exact Intent (Match)</a:t>
-            </a:r>
-            <a:endParaRPr lang="en-GB" dirty="0"/>
-          </a:p>
-        </p:txBody>
-      </p:sp>
-      <p:sp>
-        <p:nvSpPr>
-          <p:cNvPr id="16" name="TextBox 15"/>
-          <p:cNvSpPr txBox="1"/>
-          <p:nvPr/>
-        </p:nvSpPr>
-        <p:spPr>
-          <a:xfrm>
-            <a:off x="5220244" y="5636775"/>
-            <a:ext cx="2463434" cy="369332"/>
-          </a:xfrm>
-          <a:prstGeom prst="rect">
-            <a:avLst/>
-          </a:prstGeom>
-          <a:solidFill>
-            <a:schemeClr val="bg1">
-              <a:lumMod val="50000"/>
-            </a:schemeClr>
-          </a:solidFill>
-          <a:ln>
-            <a:solidFill>
-              <a:schemeClr val="bg1">
-                <a:lumMod val="50000"/>
-              </a:schemeClr>
-            </a:solidFill>
-          </a:ln>
-        </p:spPr>
-        <p:txBody>
-          <a:bodyPr wrap="square" rtlCol="0">
-            <a:spAutoFit/>
-          </a:bodyPr>
-          <a:lstStyle/>
-          <a:p>
-            <a:r>
-              <a:rPr lang="en-GB" dirty="0" smtClean="0"/>
-              <a:t>Literal Intent</a:t>
-            </a:r>
-            <a:endParaRPr lang="en-GB" dirty="0"/>
-          </a:p>
-        </p:txBody>
-      </p:sp>
-      <p:sp>
-        <p:nvSpPr>
-          <p:cNvPr id="17" name="TextBox 16"/>
-          <p:cNvSpPr txBox="1"/>
-          <p:nvPr/>
-        </p:nvSpPr>
-        <p:spPr>
-          <a:xfrm>
-            <a:off x="5220244" y="6308780"/>
-            <a:ext cx="2463434" cy="369332"/>
-          </a:xfrm>
-          <a:prstGeom prst="rect">
-            <a:avLst/>
-          </a:prstGeom>
-          <a:solidFill>
-            <a:schemeClr val="bg1">
-              <a:lumMod val="50000"/>
-            </a:schemeClr>
-          </a:solidFill>
-          <a:ln>
-            <a:solidFill>
-              <a:schemeClr val="bg1">
-                <a:lumMod val="50000"/>
-              </a:schemeClr>
-            </a:solidFill>
-          </a:ln>
-        </p:spPr>
-        <p:txBody>
-          <a:bodyPr wrap="square" rtlCol="0">
-            <a:spAutoFit/>
-          </a:bodyPr>
-          <a:lstStyle/>
-          <a:p>
-            <a:r>
-              <a:rPr lang="en-GB" dirty="0" smtClean="0"/>
-              <a:t>Poetic Intent</a:t>
-            </a:r>
-            <a:endParaRPr lang="en-GB" dirty="0"/>
-          </a:p>
-        </p:txBody>
-      </p:sp>
-      <p:sp>
-        <p:nvSpPr>
-          <p:cNvPr id="18" name="TextBox 17"/>
-          <p:cNvSpPr txBox="1"/>
-          <p:nvPr/>
-        </p:nvSpPr>
-        <p:spPr>
-          <a:xfrm>
-            <a:off x="2285986" y="2969089"/>
-            <a:ext cx="1903876" cy="369332"/>
-          </a:xfrm>
-          <a:prstGeom prst="rect">
-            <a:avLst/>
-          </a:prstGeom>
-          <a:solidFill>
-            <a:schemeClr val="tx1"/>
-          </a:solidFill>
-          <a:ln>
-            <a:solidFill>
-              <a:schemeClr val="tx1"/>
-            </a:solidFill>
-          </a:ln>
-        </p:spPr>
-        <p:txBody>
-          <a:bodyPr wrap="square" rtlCol="0">
-            <a:spAutoFit/>
-          </a:bodyPr>
-          <a:lstStyle/>
-          <a:p>
-            <a:r>
-              <a:rPr lang="en-GB" dirty="0" smtClean="0">
-                <a:solidFill>
-                  <a:schemeClr val="bg1"/>
-                </a:solidFill>
-              </a:rPr>
-              <a:t>What?</a:t>
-            </a:r>
-            <a:endParaRPr lang="en-GB" dirty="0">
-              <a:solidFill>
-                <a:schemeClr val="bg1"/>
-              </a:solidFill>
-            </a:endParaRPr>
-          </a:p>
-        </p:txBody>
-      </p:sp>
-      <p:sp>
-        <p:nvSpPr>
-          <p:cNvPr id="19" name="TextBox 18"/>
-          <p:cNvSpPr txBox="1"/>
-          <p:nvPr/>
-        </p:nvSpPr>
-        <p:spPr>
-          <a:xfrm>
-            <a:off x="2285986" y="3639627"/>
-            <a:ext cx="1903876" cy="369332"/>
-          </a:xfrm>
-          <a:prstGeom prst="rect">
-            <a:avLst/>
-          </a:prstGeom>
-          <a:solidFill>
-            <a:schemeClr val="tx1"/>
-          </a:solidFill>
-          <a:ln>
-            <a:solidFill>
-              <a:schemeClr val="tx1"/>
-            </a:solidFill>
-          </a:ln>
-        </p:spPr>
-        <p:txBody>
-          <a:bodyPr wrap="square" rtlCol="0">
-            <a:spAutoFit/>
-          </a:bodyPr>
-          <a:lstStyle/>
-          <a:p>
-            <a:r>
-              <a:rPr lang="en-GB" dirty="0" smtClean="0">
-                <a:solidFill>
-                  <a:schemeClr val="bg1"/>
-                </a:solidFill>
-              </a:rPr>
-              <a:t>Where?</a:t>
-            </a:r>
-            <a:endParaRPr lang="en-GB" dirty="0">
-              <a:solidFill>
-                <a:schemeClr val="bg1"/>
-              </a:solidFill>
-            </a:endParaRPr>
-          </a:p>
-        </p:txBody>
-      </p:sp>
-      <p:sp>
-        <p:nvSpPr>
-          <p:cNvPr id="20" name="TextBox 19"/>
-          <p:cNvSpPr txBox="1"/>
-          <p:nvPr/>
-        </p:nvSpPr>
-        <p:spPr>
-          <a:xfrm>
-            <a:off x="2285986" y="4307525"/>
-            <a:ext cx="1903876" cy="369332"/>
-          </a:xfrm>
-          <a:prstGeom prst="rect">
-            <a:avLst/>
-          </a:prstGeom>
-          <a:solidFill>
-            <a:schemeClr val="tx1"/>
-          </a:solidFill>
-          <a:ln>
-            <a:solidFill>
-              <a:schemeClr val="tx1"/>
-            </a:solidFill>
-          </a:ln>
-        </p:spPr>
-        <p:txBody>
-          <a:bodyPr wrap="square" rtlCol="0">
-            <a:spAutoFit/>
-          </a:bodyPr>
-          <a:lstStyle/>
-          <a:p>
-            <a:r>
-              <a:rPr lang="en-GB" dirty="0" smtClean="0">
-                <a:solidFill>
-                  <a:schemeClr val="bg1"/>
-                </a:solidFill>
-              </a:rPr>
-              <a:t>When?</a:t>
-            </a:r>
-            <a:endParaRPr lang="en-GB" dirty="0">
-              <a:solidFill>
-                <a:schemeClr val="bg1"/>
-              </a:solidFill>
-            </a:endParaRPr>
-          </a:p>
-        </p:txBody>
-      </p:sp>
-      <p:sp>
-        <p:nvSpPr>
-          <p:cNvPr id="21" name="TextBox 20"/>
-          <p:cNvSpPr txBox="1"/>
-          <p:nvPr/>
-        </p:nvSpPr>
-        <p:spPr>
-          <a:xfrm>
-            <a:off x="2285986" y="4974610"/>
-            <a:ext cx="1903876" cy="369332"/>
-          </a:xfrm>
-          <a:prstGeom prst="rect">
-            <a:avLst/>
-          </a:prstGeom>
-          <a:solidFill>
-            <a:schemeClr val="tx1"/>
-          </a:solidFill>
-          <a:ln>
-            <a:solidFill>
-              <a:schemeClr val="tx1"/>
-            </a:solidFill>
-          </a:ln>
-        </p:spPr>
-        <p:txBody>
-          <a:bodyPr wrap="square" rtlCol="0">
-            <a:spAutoFit/>
-          </a:bodyPr>
-          <a:lstStyle/>
-          <a:p>
-            <a:r>
-              <a:rPr lang="en-GB" dirty="0" smtClean="0">
-                <a:solidFill>
-                  <a:schemeClr val="bg1"/>
-                </a:solidFill>
-              </a:rPr>
-              <a:t>Who?</a:t>
-            </a:r>
-            <a:endParaRPr lang="en-GB" dirty="0">
-              <a:solidFill>
-                <a:schemeClr val="bg1"/>
-              </a:solidFill>
-            </a:endParaRPr>
-          </a:p>
-        </p:txBody>
-      </p:sp>
-      <p:sp>
-        <p:nvSpPr>
-          <p:cNvPr id="22" name="TextBox 21"/>
-          <p:cNvSpPr txBox="1"/>
-          <p:nvPr/>
-        </p:nvSpPr>
-        <p:spPr>
-          <a:xfrm>
-            <a:off x="2285986" y="5641695"/>
-            <a:ext cx="1903876" cy="369332"/>
-          </a:xfrm>
-          <a:prstGeom prst="rect">
-            <a:avLst/>
-          </a:prstGeom>
-          <a:solidFill>
-            <a:schemeClr val="tx1"/>
-          </a:solidFill>
-          <a:ln>
-            <a:solidFill>
-              <a:schemeClr val="tx1"/>
-            </a:solidFill>
-          </a:ln>
-        </p:spPr>
-        <p:txBody>
-          <a:bodyPr wrap="square" rtlCol="0">
-            <a:spAutoFit/>
-          </a:bodyPr>
-          <a:lstStyle/>
-          <a:p>
-            <a:r>
-              <a:rPr lang="en-GB" dirty="0" smtClean="0">
-                <a:solidFill>
-                  <a:schemeClr val="bg1"/>
-                </a:solidFill>
-              </a:rPr>
-              <a:t>How?</a:t>
-            </a:r>
-            <a:endParaRPr lang="en-GB" dirty="0">
-              <a:solidFill>
-                <a:schemeClr val="bg1"/>
-              </a:solidFill>
-            </a:endParaRPr>
-          </a:p>
-        </p:txBody>
-      </p:sp>
-      <p:sp>
-        <p:nvSpPr>
-          <p:cNvPr id="23" name="TextBox 22"/>
-          <p:cNvSpPr txBox="1"/>
-          <p:nvPr/>
-        </p:nvSpPr>
-        <p:spPr>
-          <a:xfrm>
-            <a:off x="2285986" y="6308780"/>
-            <a:ext cx="1903876" cy="369332"/>
-          </a:xfrm>
-          <a:prstGeom prst="rect">
-            <a:avLst/>
-          </a:prstGeom>
-          <a:solidFill>
-            <a:schemeClr val="tx1"/>
-          </a:solidFill>
-          <a:ln>
-            <a:solidFill>
-              <a:schemeClr val="tx1"/>
-            </a:solidFill>
-          </a:ln>
-        </p:spPr>
-        <p:txBody>
-          <a:bodyPr wrap="square" rtlCol="0">
-            <a:spAutoFit/>
-          </a:bodyPr>
-          <a:lstStyle/>
-          <a:p>
-            <a:r>
-              <a:rPr lang="en-GB" dirty="0" smtClean="0">
-                <a:solidFill>
-                  <a:schemeClr val="bg1"/>
-                </a:solidFill>
-              </a:rPr>
-              <a:t>Why?</a:t>
-            </a:r>
-            <a:endParaRPr lang="en-GB" dirty="0">
-              <a:solidFill>
-                <a:schemeClr val="bg1"/>
-              </a:solidFill>
-            </a:endParaRPr>
-          </a:p>
-        </p:txBody>
-      </p:sp>
-      <p:sp>
-        <p:nvSpPr>
-          <p:cNvPr id="24" name="TextBox 23"/>
-          <p:cNvSpPr txBox="1"/>
-          <p:nvPr/>
-        </p:nvSpPr>
-        <p:spPr>
-          <a:xfrm>
-            <a:off x="5220245" y="4309985"/>
-            <a:ext cx="2463433" cy="369332"/>
-          </a:xfrm>
-          <a:prstGeom prst="rect">
-            <a:avLst/>
-          </a:prstGeom>
-          <a:solidFill>
-            <a:schemeClr val="bg1">
-              <a:lumMod val="50000"/>
-            </a:schemeClr>
-          </a:solidFill>
-          <a:ln>
-            <a:solidFill>
-              <a:schemeClr val="bg1">
-                <a:lumMod val="50000"/>
-              </a:schemeClr>
-            </a:solidFill>
-          </a:ln>
-        </p:spPr>
-        <p:txBody>
-          <a:bodyPr wrap="square" rtlCol="0">
-            <a:spAutoFit/>
-          </a:bodyPr>
-          <a:lstStyle/>
-          <a:p>
-            <a:r>
-              <a:rPr lang="en-GB" dirty="0" smtClean="0"/>
-              <a:t>Comparison Intent</a:t>
-            </a:r>
-            <a:endParaRPr lang="en-GB" dirty="0"/>
-          </a:p>
-        </p:txBody>
-      </p:sp>
-      <p:sp>
-        <p:nvSpPr>
-          <p:cNvPr id="25" name="TextBox 24"/>
-          <p:cNvSpPr txBox="1"/>
-          <p:nvPr/>
-        </p:nvSpPr>
-        <p:spPr>
-          <a:xfrm>
-            <a:off x="5220247" y="4974610"/>
-            <a:ext cx="2463432" cy="369332"/>
-          </a:xfrm>
-          <a:prstGeom prst="rect">
-            <a:avLst/>
-          </a:prstGeom>
-          <a:solidFill>
-            <a:schemeClr val="bg1">
-              <a:lumMod val="50000"/>
-            </a:schemeClr>
-          </a:solidFill>
-          <a:ln>
-            <a:solidFill>
-              <a:schemeClr val="bg1">
-                <a:lumMod val="50000"/>
-              </a:schemeClr>
-            </a:solidFill>
-          </a:ln>
-        </p:spPr>
-        <p:txBody>
-          <a:bodyPr wrap="square" rtlCol="0">
-            <a:spAutoFit/>
-          </a:bodyPr>
-          <a:lstStyle/>
-          <a:p>
-            <a:r>
-              <a:rPr lang="en-GB" dirty="0" smtClean="0"/>
-              <a:t>Aggregate Intent</a:t>
-            </a:r>
-            <a:endParaRPr lang="en-GB" dirty="0"/>
-          </a:p>
-        </p:txBody>
-      </p:sp>
-      <p:sp>
-        <p:nvSpPr>
-          <p:cNvPr id="26" name="TextBox 25"/>
-          <p:cNvSpPr txBox="1"/>
-          <p:nvPr/>
-        </p:nvSpPr>
-        <p:spPr>
-          <a:xfrm>
-            <a:off x="5220244" y="3637980"/>
-            <a:ext cx="2463434" cy="369332"/>
-          </a:xfrm>
-          <a:prstGeom prst="rect">
-            <a:avLst/>
-          </a:prstGeom>
-          <a:solidFill>
-            <a:schemeClr val="bg1">
-              <a:lumMod val="50000"/>
-            </a:schemeClr>
-          </a:solidFill>
-          <a:ln>
-            <a:solidFill>
-              <a:schemeClr val="bg1">
-                <a:lumMod val="50000"/>
-              </a:schemeClr>
-            </a:solidFill>
-          </a:ln>
-        </p:spPr>
-        <p:txBody>
-          <a:bodyPr wrap="square" rtlCol="0">
-            <a:spAutoFit/>
-          </a:bodyPr>
-          <a:lstStyle/>
-          <a:p>
-            <a:r>
-              <a:rPr lang="en-GB" dirty="0" smtClean="0"/>
-              <a:t>Constituent Intent</a:t>
-            </a:r>
-            <a:endParaRPr lang="en-GB" dirty="0"/>
-          </a:p>
-        </p:txBody>
-      </p:sp>
-      <p:sp>
-        <p:nvSpPr>
-          <p:cNvPr id="27" name="TextBox 26"/>
-          <p:cNvSpPr txBox="1"/>
-          <p:nvPr/>
-        </p:nvSpPr>
-        <p:spPr>
-          <a:xfrm>
-            <a:off x="10752694" y="4977250"/>
-            <a:ext cx="1245363" cy="369332"/>
-          </a:xfrm>
-          <a:prstGeom prst="rect">
-            <a:avLst/>
-          </a:prstGeom>
-          <a:noFill/>
-        </p:spPr>
-        <p:txBody>
-          <a:bodyPr wrap="square" rtlCol="0">
-            <a:spAutoFit/>
-          </a:bodyPr>
-          <a:lstStyle/>
-          <a:p>
-            <a:r>
-              <a:rPr lang="en-GB" b="1" dirty="0">
-                <a:solidFill>
-                  <a:srgbClr val="FFFF00"/>
-                </a:solidFill>
-              </a:rPr>
-              <a:t>v</a:t>
-            </a:r>
-            <a:r>
-              <a:rPr lang="en-GB" b="1" dirty="0" smtClean="0">
-                <a:solidFill>
-                  <a:srgbClr val="FFFF00"/>
-                </a:solidFill>
-              </a:rPr>
-              <a:t>_01.03</a:t>
-            </a:r>
-            <a:endParaRPr lang="en-GB" b="1" dirty="0">
-              <a:solidFill>
-                <a:srgbClr val="FFFF00"/>
-              </a:solidFill>
-            </a:endParaRPr>
-          </a:p>
-        </p:txBody>
-      </p:sp>
-      <p:sp>
-        <p:nvSpPr>
-          <p:cNvPr id="37" name="TextBox 36"/>
-          <p:cNvSpPr txBox="1"/>
-          <p:nvPr/>
-        </p:nvSpPr>
-        <p:spPr>
-          <a:xfrm>
-            <a:off x="10752695" y="4306712"/>
-            <a:ext cx="1245363" cy="369332"/>
-          </a:xfrm>
-          <a:prstGeom prst="rect">
-            <a:avLst/>
-          </a:prstGeom>
-          <a:noFill/>
-        </p:spPr>
-        <p:txBody>
-          <a:bodyPr wrap="square" rtlCol="0">
-            <a:spAutoFit/>
-          </a:bodyPr>
-          <a:lstStyle/>
-          <a:p>
-            <a:r>
-              <a:rPr lang="en-GB" b="1" dirty="0" smtClean="0">
-                <a:solidFill>
-                  <a:srgbClr val="92D050"/>
-                </a:solidFill>
-              </a:rPr>
-              <a:t>v_01.02</a:t>
-            </a:r>
-            <a:endParaRPr lang="en-GB" b="1" dirty="0">
-              <a:solidFill>
-                <a:srgbClr val="92D050"/>
-              </a:solidFill>
-            </a:endParaRPr>
-          </a:p>
-        </p:txBody>
-      </p:sp>
-      <p:sp>
-        <p:nvSpPr>
-          <p:cNvPr id="38" name="TextBox 37"/>
-          <p:cNvSpPr txBox="1"/>
-          <p:nvPr/>
-        </p:nvSpPr>
-        <p:spPr>
-          <a:xfrm>
-            <a:off x="10752695" y="2969089"/>
-            <a:ext cx="1245363" cy="369332"/>
-          </a:xfrm>
-          <a:prstGeom prst="rect">
-            <a:avLst/>
-          </a:prstGeom>
-          <a:noFill/>
-        </p:spPr>
-        <p:txBody>
-          <a:bodyPr wrap="square" rtlCol="0">
-            <a:spAutoFit/>
-          </a:bodyPr>
-          <a:lstStyle/>
-          <a:p>
-            <a:r>
-              <a:rPr lang="en-GB" b="1" dirty="0" smtClean="0">
-                <a:solidFill>
-                  <a:srgbClr val="00B0F0"/>
-                </a:solidFill>
-              </a:rPr>
-              <a:t>v_01.00</a:t>
-            </a:r>
-            <a:endParaRPr lang="en-GB" b="1" dirty="0">
-              <a:solidFill>
-                <a:srgbClr val="00B0F0"/>
-              </a:solidFill>
-            </a:endParaRPr>
-          </a:p>
-        </p:txBody>
-      </p:sp>
-      <p:sp>
-        <p:nvSpPr>
-          <p:cNvPr id="39" name="TextBox 38"/>
-          <p:cNvSpPr txBox="1"/>
-          <p:nvPr/>
-        </p:nvSpPr>
-        <p:spPr>
-          <a:xfrm>
-            <a:off x="10752675" y="3645720"/>
-            <a:ext cx="1245363" cy="369332"/>
-          </a:xfrm>
-          <a:prstGeom prst="rect">
-            <a:avLst/>
-          </a:prstGeom>
-          <a:noFill/>
-        </p:spPr>
-        <p:txBody>
-          <a:bodyPr wrap="square" rtlCol="0">
-            <a:spAutoFit/>
-          </a:bodyPr>
-          <a:lstStyle/>
-          <a:p>
-            <a:r>
-              <a:rPr lang="en-GB" b="1" dirty="0" smtClean="0">
-                <a:solidFill>
-                  <a:srgbClr val="7030A0"/>
-                </a:solidFill>
-              </a:rPr>
-              <a:t>v_01.01</a:t>
-            </a:r>
-            <a:endParaRPr lang="en-GB" b="1" dirty="0">
-              <a:solidFill>
-                <a:srgbClr val="7030A0"/>
-              </a:solidFill>
-            </a:endParaRPr>
-          </a:p>
-        </p:txBody>
-      </p:sp>
-      <p:sp>
-        <p:nvSpPr>
-          <p:cNvPr id="40" name="TextBox 39"/>
-          <p:cNvSpPr txBox="1"/>
-          <p:nvPr/>
-        </p:nvSpPr>
-        <p:spPr>
-          <a:xfrm>
-            <a:off x="5720101" y="2299724"/>
-            <a:ext cx="1245363" cy="369332"/>
-          </a:xfrm>
-          <a:prstGeom prst="rect">
-            <a:avLst/>
-          </a:prstGeom>
-          <a:noFill/>
-        </p:spPr>
-        <p:txBody>
-          <a:bodyPr wrap="square" rtlCol="0">
-            <a:spAutoFit/>
-          </a:bodyPr>
-          <a:lstStyle/>
-          <a:p>
-            <a:r>
-              <a:rPr lang="en-GB" b="1" dirty="0" smtClean="0">
-                <a:solidFill>
-                  <a:schemeClr val="bg1">
-                    <a:lumMod val="50000"/>
-                  </a:schemeClr>
-                </a:solidFill>
-              </a:rPr>
-              <a:t>v_01.07</a:t>
-            </a:r>
-            <a:endParaRPr lang="en-GB" b="1" dirty="0">
-              <a:solidFill>
-                <a:schemeClr val="bg1">
-                  <a:lumMod val="50000"/>
-                </a:schemeClr>
-              </a:solidFill>
-            </a:endParaRPr>
-          </a:p>
-        </p:txBody>
-      </p:sp>
-      <p:sp>
-        <p:nvSpPr>
-          <p:cNvPr id="41" name="TextBox 40"/>
-          <p:cNvSpPr txBox="1"/>
-          <p:nvPr/>
-        </p:nvSpPr>
-        <p:spPr>
-          <a:xfrm>
-            <a:off x="1023582" y="4605278"/>
-            <a:ext cx="1245363" cy="369332"/>
-          </a:xfrm>
-          <a:prstGeom prst="rect">
-            <a:avLst/>
-          </a:prstGeom>
-          <a:noFill/>
-        </p:spPr>
-        <p:txBody>
-          <a:bodyPr wrap="square" rtlCol="0">
-            <a:spAutoFit/>
-          </a:bodyPr>
-          <a:lstStyle/>
-          <a:p>
-            <a:r>
-              <a:rPr lang="en-GB" b="1" dirty="0" smtClean="0"/>
-              <a:t>v_01.06</a:t>
-            </a:r>
-            <a:endParaRPr lang="en-GB" b="1" dirty="0"/>
-          </a:p>
-        </p:txBody>
-      </p:sp>
-      <p:sp>
-        <p:nvSpPr>
-          <p:cNvPr id="42" name="TextBox 41"/>
-          <p:cNvSpPr txBox="1"/>
-          <p:nvPr/>
-        </p:nvSpPr>
-        <p:spPr>
-          <a:xfrm>
-            <a:off x="10752675" y="6308780"/>
-            <a:ext cx="1245363" cy="369332"/>
-          </a:xfrm>
-          <a:prstGeom prst="rect">
-            <a:avLst/>
-          </a:prstGeom>
-          <a:noFill/>
-        </p:spPr>
-        <p:txBody>
-          <a:bodyPr wrap="square" rtlCol="0">
-            <a:spAutoFit/>
-          </a:bodyPr>
-          <a:lstStyle/>
-          <a:p>
-            <a:r>
-              <a:rPr lang="en-GB" b="1" dirty="0" smtClean="0">
-                <a:solidFill>
-                  <a:srgbClr val="FF0000"/>
-                </a:solidFill>
-              </a:rPr>
-              <a:t>v_01.05</a:t>
-            </a:r>
-            <a:endParaRPr lang="en-GB" b="1" dirty="0">
-              <a:solidFill>
-                <a:srgbClr val="FF0000"/>
-              </a:solidFill>
-            </a:endParaRPr>
-          </a:p>
-        </p:txBody>
-      </p:sp>
-      <p:sp>
-        <p:nvSpPr>
-          <p:cNvPr id="43" name="TextBox 42"/>
-          <p:cNvSpPr txBox="1"/>
-          <p:nvPr/>
-        </p:nvSpPr>
-        <p:spPr>
-          <a:xfrm>
-            <a:off x="10752675" y="5647788"/>
-            <a:ext cx="1245363" cy="369332"/>
-          </a:xfrm>
-          <a:prstGeom prst="rect">
-            <a:avLst/>
-          </a:prstGeom>
-          <a:noFill/>
-        </p:spPr>
-        <p:txBody>
-          <a:bodyPr wrap="square" rtlCol="0">
-            <a:spAutoFit/>
-          </a:bodyPr>
-          <a:lstStyle/>
-          <a:p>
-            <a:r>
-              <a:rPr lang="en-GB" b="1" dirty="0" smtClean="0">
-                <a:solidFill>
-                  <a:srgbClr val="EAB200"/>
-                </a:solidFill>
-              </a:rPr>
-              <a:t>v_01.04</a:t>
-            </a:r>
-            <a:endParaRPr lang="en-GB" b="1" dirty="0">
-              <a:solidFill>
-                <a:srgbClr val="EAB200"/>
-              </a:solidFill>
-            </a:endParaRPr>
           </a:p>
         </p:txBody>
       </p:sp>

--- a/Obsidian_Plan_Phase_01.pptx
+++ b/Obsidian_Plan_Phase_01.pptx
@@ -243,7 +243,7 @@
           <a:p>
             <a:fld id="{ADD072A5-80F2-459C-8EED-9DCE35A75F4A}" type="datetimeFigureOut">
               <a:rPr lang="en-GB" smtClean="0"/>
-              <a:t>11/05/2020</a:t>
+              <a:t>15/05/2020</a:t>
             </a:fld>
             <a:endParaRPr lang="en-GB"/>
           </a:p>
@@ -413,7 +413,7 @@
           <a:p>
             <a:fld id="{ADD072A5-80F2-459C-8EED-9DCE35A75F4A}" type="datetimeFigureOut">
               <a:rPr lang="en-GB" smtClean="0"/>
-              <a:t>11/05/2020</a:t>
+              <a:t>15/05/2020</a:t>
             </a:fld>
             <a:endParaRPr lang="en-GB"/>
           </a:p>
@@ -593,7 +593,7 @@
           <a:p>
             <a:fld id="{ADD072A5-80F2-459C-8EED-9DCE35A75F4A}" type="datetimeFigureOut">
               <a:rPr lang="en-GB" smtClean="0"/>
-              <a:t>11/05/2020</a:t>
+              <a:t>15/05/2020</a:t>
             </a:fld>
             <a:endParaRPr lang="en-GB"/>
           </a:p>
@@ -763,7 +763,7 @@
           <a:p>
             <a:fld id="{ADD072A5-80F2-459C-8EED-9DCE35A75F4A}" type="datetimeFigureOut">
               <a:rPr lang="en-GB" smtClean="0"/>
-              <a:t>11/05/2020</a:t>
+              <a:t>15/05/2020</a:t>
             </a:fld>
             <a:endParaRPr lang="en-GB"/>
           </a:p>
@@ -1009,7 +1009,7 @@
           <a:p>
             <a:fld id="{ADD072A5-80F2-459C-8EED-9DCE35A75F4A}" type="datetimeFigureOut">
               <a:rPr lang="en-GB" smtClean="0"/>
-              <a:t>11/05/2020</a:t>
+              <a:t>15/05/2020</a:t>
             </a:fld>
             <a:endParaRPr lang="en-GB"/>
           </a:p>
@@ -1241,7 +1241,7 @@
           <a:p>
             <a:fld id="{ADD072A5-80F2-459C-8EED-9DCE35A75F4A}" type="datetimeFigureOut">
               <a:rPr lang="en-GB" smtClean="0"/>
-              <a:t>11/05/2020</a:t>
+              <a:t>15/05/2020</a:t>
             </a:fld>
             <a:endParaRPr lang="en-GB"/>
           </a:p>
@@ -1608,7 +1608,7 @@
           <a:p>
             <a:fld id="{ADD072A5-80F2-459C-8EED-9DCE35A75F4A}" type="datetimeFigureOut">
               <a:rPr lang="en-GB" smtClean="0"/>
-              <a:t>11/05/2020</a:t>
+              <a:t>15/05/2020</a:t>
             </a:fld>
             <a:endParaRPr lang="en-GB"/>
           </a:p>
@@ -1726,7 +1726,7 @@
           <a:p>
             <a:fld id="{ADD072A5-80F2-459C-8EED-9DCE35A75F4A}" type="datetimeFigureOut">
               <a:rPr lang="en-GB" smtClean="0"/>
-              <a:t>11/05/2020</a:t>
+              <a:t>15/05/2020</a:t>
             </a:fld>
             <a:endParaRPr lang="en-GB"/>
           </a:p>
@@ -1821,7 +1821,7 @@
           <a:p>
             <a:fld id="{ADD072A5-80F2-459C-8EED-9DCE35A75F4A}" type="datetimeFigureOut">
               <a:rPr lang="en-GB" smtClean="0"/>
-              <a:t>11/05/2020</a:t>
+              <a:t>15/05/2020</a:t>
             </a:fld>
             <a:endParaRPr lang="en-GB"/>
           </a:p>
@@ -2098,7 +2098,7 @@
           <a:p>
             <a:fld id="{ADD072A5-80F2-459C-8EED-9DCE35A75F4A}" type="datetimeFigureOut">
               <a:rPr lang="en-GB" smtClean="0"/>
-              <a:t>11/05/2020</a:t>
+              <a:t>15/05/2020</a:t>
             </a:fld>
             <a:endParaRPr lang="en-GB"/>
           </a:p>
@@ -2351,7 +2351,7 @@
           <a:p>
             <a:fld id="{ADD072A5-80F2-459C-8EED-9DCE35A75F4A}" type="datetimeFigureOut">
               <a:rPr lang="en-GB" smtClean="0"/>
-              <a:t>11/05/2020</a:t>
+              <a:t>15/05/2020</a:t>
             </a:fld>
             <a:endParaRPr lang="en-GB"/>
           </a:p>
@@ -2564,7 +2564,7 @@
           <a:p>
             <a:fld id="{ADD072A5-80F2-459C-8EED-9DCE35A75F4A}" type="datetimeFigureOut">
               <a:rPr lang="en-GB" smtClean="0"/>
-              <a:t>11/05/2020</a:t>
+              <a:t>15/05/2020</a:t>
             </a:fld>
             <a:endParaRPr lang="en-GB"/>
           </a:p>
@@ -2971,14 +2971,14 @@
       </p:grpSpPr>
       <p:sp>
         <p:nvSpPr>
-          <p:cNvPr id="32" name="Cloud 31"/>
+          <p:cNvPr id="37" name="Cloud 36"/>
           <p:cNvSpPr/>
           <p:nvPr/>
         </p:nvSpPr>
         <p:spPr>
           <a:xfrm>
-            <a:off x="1508069" y="181183"/>
-            <a:ext cx="2674951" cy="2316357"/>
+            <a:off x="1508069" y="467792"/>
+            <a:ext cx="2674951" cy="1825038"/>
           </a:xfrm>
           <a:prstGeom prst="cloud">
             <a:avLst/>
@@ -3019,13 +3019,13 @@
       </p:sp>
       <p:sp>
         <p:nvSpPr>
-          <p:cNvPr id="33" name="TextBox 32"/>
+          <p:cNvPr id="38" name="TextBox 37"/>
           <p:cNvSpPr txBox="1"/>
           <p:nvPr/>
         </p:nvSpPr>
         <p:spPr>
           <a:xfrm>
-            <a:off x="1508069" y="1077751"/>
+            <a:off x="1508068" y="1118701"/>
             <a:ext cx="2674951" cy="523220"/>
           </a:xfrm>
           <a:prstGeom prst="rect">
@@ -3050,13 +3050,13 @@
       </p:sp>
       <p:sp>
         <p:nvSpPr>
-          <p:cNvPr id="34" name="TextBox 33"/>
+          <p:cNvPr id="39" name="TextBox 38"/>
           <p:cNvSpPr txBox="1"/>
           <p:nvPr/>
         </p:nvSpPr>
         <p:spPr>
           <a:xfrm>
-            <a:off x="8059392" y="2971729"/>
+            <a:off x="8059392" y="2848897"/>
             <a:ext cx="2256548" cy="369332"/>
           </a:xfrm>
           <a:prstGeom prst="rect">
@@ -3077,9 +3077,10 @@
           </a:bodyPr>
           <a:lstStyle/>
           <a:p>
+            <a:pPr algn="ctr"/>
             <a:r>
               <a:rPr lang="en-GB" dirty="0" smtClean="0"/>
-              <a:t>Key Fragments</a:t>
+              <a:t>Fragments</a:t>
             </a:r>
             <a:endParaRPr lang="en-GB" dirty="0"/>
           </a:p>
@@ -3087,13 +3088,13 @@
       </p:sp>
       <p:sp>
         <p:nvSpPr>
-          <p:cNvPr id="35" name="TextBox 34"/>
+          <p:cNvPr id="40" name="TextBox 39"/>
           <p:cNvSpPr txBox="1"/>
           <p:nvPr/>
         </p:nvSpPr>
         <p:spPr>
           <a:xfrm>
-            <a:off x="8059391" y="4306712"/>
+            <a:off x="8059391" y="3760792"/>
             <a:ext cx="2256548" cy="369332"/>
           </a:xfrm>
           <a:prstGeom prst="rect">
@@ -3114,6 +3115,7 @@
           </a:bodyPr>
           <a:lstStyle/>
           <a:p>
+            <a:pPr algn="ctr"/>
             <a:r>
               <a:rPr lang="en-GB" dirty="0" smtClean="0"/>
               <a:t>Synonyms</a:t>
@@ -3124,13 +3126,13 @@
       </p:sp>
       <p:sp>
         <p:nvSpPr>
-          <p:cNvPr id="36" name="TextBox 35"/>
+          <p:cNvPr id="41" name="TextBox 40"/>
           <p:cNvSpPr txBox="1"/>
           <p:nvPr/>
         </p:nvSpPr>
         <p:spPr>
           <a:xfrm>
-            <a:off x="8059392" y="4974610"/>
+            <a:off x="8059392" y="4237618"/>
             <a:ext cx="2256548" cy="369332"/>
           </a:xfrm>
           <a:prstGeom prst="rect">
@@ -3151,6 +3153,7 @@
           </a:bodyPr>
           <a:lstStyle/>
           <a:p>
+            <a:pPr algn="ctr"/>
             <a:r>
               <a:rPr lang="en-GB" dirty="0" smtClean="0"/>
               <a:t>Relationships</a:t>
@@ -3161,13 +3164,13 @@
       </p:sp>
       <p:sp>
         <p:nvSpPr>
-          <p:cNvPr id="44" name="TextBox 43"/>
+          <p:cNvPr id="42" name="TextBox 41"/>
           <p:cNvSpPr txBox="1"/>
           <p:nvPr/>
         </p:nvSpPr>
         <p:spPr>
           <a:xfrm>
-            <a:off x="8059391" y="3633346"/>
+            <a:off x="8059391" y="3305794"/>
             <a:ext cx="2256548" cy="369332"/>
           </a:xfrm>
           <a:prstGeom prst="rect">
@@ -3190,23 +3193,32 @@
           </a:bodyPr>
           <a:lstStyle/>
           <a:p>
-            <a:r>
-              <a:rPr lang="en-GB" dirty="0" err="1" smtClean="0"/>
+            <a:pPr algn="ctr"/>
+            <a:r>
+              <a:rPr lang="en-GB" dirty="0" err="1" smtClean="0">
+                <a:solidFill>
+                  <a:schemeClr val="bg1"/>
+                </a:solidFill>
+              </a:rPr>
               <a:t>Purposyms</a:t>
             </a:r>
-            <a:endParaRPr lang="en-GB" dirty="0"/>
-          </a:p>
-        </p:txBody>
-      </p:sp>
-      <p:sp>
-        <p:nvSpPr>
-          <p:cNvPr id="45" name="TextBox 44"/>
+            <a:endParaRPr lang="en-GB" dirty="0">
+              <a:solidFill>
+                <a:schemeClr val="bg1"/>
+              </a:solidFill>
+            </a:endParaRPr>
+          </a:p>
+        </p:txBody>
+      </p:sp>
+      <p:sp>
+        <p:nvSpPr>
+          <p:cNvPr id="43" name="TextBox 42"/>
           <p:cNvSpPr txBox="1"/>
           <p:nvPr/>
         </p:nvSpPr>
         <p:spPr>
           <a:xfrm>
-            <a:off x="8059392" y="5641695"/>
+            <a:off x="8059392" y="4713633"/>
             <a:ext cx="2256548" cy="369332"/>
           </a:xfrm>
           <a:prstGeom prst="rect">
@@ -3227,6 +3239,7 @@
           </a:bodyPr>
           <a:lstStyle/>
           <a:p>
+            <a:pPr algn="ctr"/>
             <a:r>
               <a:rPr lang="en-GB" dirty="0" smtClean="0"/>
               <a:t>Causal Chains</a:t>
@@ -3237,13 +3250,13 @@
       </p:sp>
       <p:sp>
         <p:nvSpPr>
-          <p:cNvPr id="46" name="TextBox 45"/>
+          <p:cNvPr id="74" name="TextBox 73"/>
           <p:cNvSpPr txBox="1"/>
           <p:nvPr/>
         </p:nvSpPr>
         <p:spPr>
           <a:xfrm>
-            <a:off x="8059392" y="6308780"/>
+            <a:off x="8059392" y="5176000"/>
             <a:ext cx="2256548" cy="369332"/>
           </a:xfrm>
           <a:prstGeom prst="rect">
@@ -3264,23 +3277,32 @@
           </a:bodyPr>
           <a:lstStyle/>
           <a:p>
-            <a:r>
-              <a:rPr lang="en-GB" dirty="0" smtClean="0"/>
+            <a:pPr algn="ctr"/>
+            <a:r>
+              <a:rPr lang="en-GB" dirty="0" smtClean="0">
+                <a:solidFill>
+                  <a:schemeClr val="bg1"/>
+                </a:solidFill>
+              </a:rPr>
               <a:t>Counterfactuals/Imp.</a:t>
             </a:r>
-            <a:endParaRPr lang="en-GB" dirty="0"/>
-          </a:p>
-        </p:txBody>
-      </p:sp>
-      <p:sp>
-        <p:nvSpPr>
-          <p:cNvPr id="47" name="TextBox 46"/>
+            <a:endParaRPr lang="en-GB" dirty="0">
+              <a:solidFill>
+                <a:schemeClr val="bg1"/>
+              </a:solidFill>
+            </a:endParaRPr>
+          </a:p>
+        </p:txBody>
+      </p:sp>
+      <p:sp>
+        <p:nvSpPr>
+          <p:cNvPr id="75" name="TextBox 74"/>
           <p:cNvSpPr txBox="1"/>
           <p:nvPr/>
         </p:nvSpPr>
         <p:spPr>
           <a:xfrm>
-            <a:off x="4783511" y="2971729"/>
+            <a:off x="4783511" y="2848897"/>
             <a:ext cx="2463432" cy="369332"/>
           </a:xfrm>
           <a:prstGeom prst="rect">
@@ -3305,6 +3327,7 @@
           </a:bodyPr>
           <a:lstStyle/>
           <a:p>
+            <a:pPr algn="ctr"/>
             <a:r>
               <a:rPr lang="en-GB" dirty="0" smtClean="0"/>
               <a:t>Exact Intent</a:t>
@@ -3315,13 +3338,13 @@
       </p:sp>
       <p:sp>
         <p:nvSpPr>
-          <p:cNvPr id="48" name="TextBox 47"/>
+          <p:cNvPr id="76" name="TextBox 75"/>
           <p:cNvSpPr txBox="1"/>
           <p:nvPr/>
         </p:nvSpPr>
         <p:spPr>
           <a:xfrm>
-            <a:off x="4783508" y="5636775"/>
+            <a:off x="4783508" y="4708713"/>
             <a:ext cx="2463434" cy="369332"/>
           </a:xfrm>
           <a:prstGeom prst="rect">
@@ -3346,6 +3369,7 @@
           </a:bodyPr>
           <a:lstStyle/>
           <a:p>
+            <a:pPr algn="ctr"/>
             <a:r>
               <a:rPr lang="en-GB" dirty="0" smtClean="0"/>
               <a:t>Literal Intent</a:t>
@@ -3356,13 +3380,13 @@
       </p:sp>
       <p:sp>
         <p:nvSpPr>
-          <p:cNvPr id="49" name="TextBox 48"/>
+          <p:cNvPr id="77" name="TextBox 76"/>
           <p:cNvSpPr txBox="1"/>
           <p:nvPr/>
         </p:nvSpPr>
         <p:spPr>
           <a:xfrm>
-            <a:off x="4783508" y="6308780"/>
+            <a:off x="4783508" y="5176000"/>
             <a:ext cx="2463434" cy="369332"/>
           </a:xfrm>
           <a:prstGeom prst="rect">
@@ -3387,6 +3411,7 @@
           </a:bodyPr>
           <a:lstStyle/>
           <a:p>
+            <a:pPr algn="ctr"/>
             <a:r>
               <a:rPr lang="en-GB" dirty="0" smtClean="0"/>
               <a:t>Poetic Intent</a:t>
@@ -3397,13 +3422,13 @@
       </p:sp>
       <p:sp>
         <p:nvSpPr>
-          <p:cNvPr id="50" name="TextBox 49"/>
+          <p:cNvPr id="78" name="TextBox 77"/>
           <p:cNvSpPr txBox="1"/>
           <p:nvPr/>
         </p:nvSpPr>
         <p:spPr>
           <a:xfrm>
-            <a:off x="1849250" y="2969089"/>
+            <a:off x="1849250" y="2846257"/>
             <a:ext cx="1903876" cy="369332"/>
           </a:xfrm>
           <a:prstGeom prst="rect">
@@ -3424,6 +3449,7 @@
           </a:bodyPr>
           <a:lstStyle/>
           <a:p>
+            <a:pPr algn="ctr"/>
             <a:r>
               <a:rPr lang="en-GB" dirty="0" smtClean="0">
                 <a:solidFill>
@@ -3442,13 +3468,13 @@
       </p:sp>
       <p:sp>
         <p:nvSpPr>
-          <p:cNvPr id="51" name="TextBox 50"/>
+          <p:cNvPr id="79" name="TextBox 78"/>
           <p:cNvSpPr txBox="1"/>
           <p:nvPr/>
         </p:nvSpPr>
         <p:spPr>
           <a:xfrm>
-            <a:off x="1849250" y="3639627"/>
+            <a:off x="1849250" y="3312075"/>
             <a:ext cx="1903876" cy="369332"/>
           </a:xfrm>
           <a:prstGeom prst="rect">
@@ -3469,6 +3495,7 @@
           </a:bodyPr>
           <a:lstStyle/>
           <a:p>
+            <a:pPr algn="ctr"/>
             <a:r>
               <a:rPr lang="en-GB" dirty="0" smtClean="0">
                 <a:solidFill>
@@ -3487,13 +3514,13 @@
       </p:sp>
       <p:sp>
         <p:nvSpPr>
-          <p:cNvPr id="52" name="TextBox 51"/>
+          <p:cNvPr id="80" name="TextBox 79"/>
           <p:cNvSpPr txBox="1"/>
           <p:nvPr/>
         </p:nvSpPr>
         <p:spPr>
           <a:xfrm>
-            <a:off x="1849250" y="4307525"/>
+            <a:off x="1849250" y="3761605"/>
             <a:ext cx="1903876" cy="369332"/>
           </a:xfrm>
           <a:prstGeom prst="rect">
@@ -3514,6 +3541,7 @@
           </a:bodyPr>
           <a:lstStyle/>
           <a:p>
+            <a:pPr algn="ctr"/>
             <a:r>
               <a:rPr lang="en-GB" dirty="0" smtClean="0">
                 <a:solidFill>
@@ -3532,13 +3560,13 @@
       </p:sp>
       <p:sp>
         <p:nvSpPr>
-          <p:cNvPr id="53" name="TextBox 52"/>
+          <p:cNvPr id="81" name="TextBox 80"/>
           <p:cNvSpPr txBox="1"/>
           <p:nvPr/>
         </p:nvSpPr>
         <p:spPr>
           <a:xfrm>
-            <a:off x="1849250" y="4974610"/>
+            <a:off x="1849250" y="4237618"/>
             <a:ext cx="1903876" cy="369332"/>
           </a:xfrm>
           <a:prstGeom prst="rect">
@@ -3559,6 +3587,7 @@
           </a:bodyPr>
           <a:lstStyle/>
           <a:p>
+            <a:pPr algn="ctr"/>
             <a:r>
               <a:rPr lang="en-GB" dirty="0" smtClean="0">
                 <a:solidFill>
@@ -3577,13 +3606,13 @@
       </p:sp>
       <p:sp>
         <p:nvSpPr>
-          <p:cNvPr id="54" name="TextBox 53"/>
+          <p:cNvPr id="82" name="TextBox 81"/>
           <p:cNvSpPr txBox="1"/>
           <p:nvPr/>
         </p:nvSpPr>
         <p:spPr>
           <a:xfrm>
-            <a:off x="1849250" y="5641695"/>
+            <a:off x="1849250" y="4713633"/>
             <a:ext cx="1903876" cy="369332"/>
           </a:xfrm>
           <a:prstGeom prst="rect">
@@ -3604,6 +3633,7 @@
           </a:bodyPr>
           <a:lstStyle/>
           <a:p>
+            <a:pPr algn="ctr"/>
             <a:r>
               <a:rPr lang="en-GB" dirty="0" smtClean="0">
                 <a:solidFill>
@@ -3622,13 +3652,13 @@
       </p:sp>
       <p:sp>
         <p:nvSpPr>
-          <p:cNvPr id="55" name="TextBox 54"/>
+          <p:cNvPr id="83" name="TextBox 82"/>
           <p:cNvSpPr txBox="1"/>
           <p:nvPr/>
         </p:nvSpPr>
         <p:spPr>
           <a:xfrm>
-            <a:off x="1849250" y="6308780"/>
+            <a:off x="1849250" y="5176000"/>
             <a:ext cx="1903876" cy="369332"/>
           </a:xfrm>
           <a:prstGeom prst="rect">
@@ -3649,6 +3679,7 @@
           </a:bodyPr>
           <a:lstStyle/>
           <a:p>
+            <a:pPr algn="ctr"/>
             <a:r>
               <a:rPr lang="en-GB" dirty="0" smtClean="0">
                 <a:solidFill>
@@ -3667,13 +3698,13 @@
       </p:sp>
       <p:sp>
         <p:nvSpPr>
-          <p:cNvPr id="56" name="TextBox 55"/>
+          <p:cNvPr id="84" name="TextBox 83"/>
           <p:cNvSpPr txBox="1"/>
           <p:nvPr/>
         </p:nvSpPr>
         <p:spPr>
           <a:xfrm>
-            <a:off x="4783509" y="4309985"/>
+            <a:off x="4783509" y="3764065"/>
             <a:ext cx="2463433" cy="369332"/>
           </a:xfrm>
           <a:prstGeom prst="rect">
@@ -3698,6 +3729,7 @@
           </a:bodyPr>
           <a:lstStyle/>
           <a:p>
+            <a:pPr algn="ctr"/>
             <a:r>
               <a:rPr lang="en-GB" dirty="0" smtClean="0"/>
               <a:t>Constituent Intent</a:t>
@@ -3708,13 +3740,13 @@
       </p:sp>
       <p:sp>
         <p:nvSpPr>
-          <p:cNvPr id="57" name="TextBox 56"/>
+          <p:cNvPr id="85" name="TextBox 84"/>
           <p:cNvSpPr txBox="1"/>
           <p:nvPr/>
         </p:nvSpPr>
         <p:spPr>
           <a:xfrm>
-            <a:off x="4783511" y="4974610"/>
+            <a:off x="4783511" y="4237618"/>
             <a:ext cx="2463432" cy="369332"/>
           </a:xfrm>
           <a:prstGeom prst="rect">
@@ -3739,6 +3771,7 @@
           </a:bodyPr>
           <a:lstStyle/>
           <a:p>
+            <a:pPr algn="ctr"/>
             <a:r>
               <a:rPr lang="en-GB" dirty="0" smtClean="0"/>
               <a:t>Aggregate Intent</a:t>
@@ -3749,13 +3782,13 @@
       </p:sp>
       <p:sp>
         <p:nvSpPr>
-          <p:cNvPr id="58" name="TextBox 57"/>
+          <p:cNvPr id="86" name="TextBox 85"/>
           <p:cNvSpPr txBox="1"/>
           <p:nvPr/>
         </p:nvSpPr>
         <p:spPr>
           <a:xfrm>
-            <a:off x="4783508" y="3637980"/>
+            <a:off x="4783508" y="3310428"/>
             <a:ext cx="2463434" cy="369332"/>
           </a:xfrm>
           <a:prstGeom prst="rect">
@@ -3780,6 +3813,7 @@
           </a:bodyPr>
           <a:lstStyle/>
           <a:p>
+            <a:pPr algn="ctr"/>
             <a:r>
               <a:rPr lang="en-GB" dirty="0" smtClean="0"/>
               <a:t>Comparison Intent</a:t>
@@ -3790,13 +3824,13 @@
       </p:sp>
       <p:sp>
         <p:nvSpPr>
-          <p:cNvPr id="59" name="TextBox 58"/>
+          <p:cNvPr id="87" name="TextBox 86"/>
           <p:cNvSpPr txBox="1"/>
           <p:nvPr/>
         </p:nvSpPr>
         <p:spPr>
           <a:xfrm>
-            <a:off x="10315958" y="4977250"/>
+            <a:off x="10315958" y="4240258"/>
             <a:ext cx="1245363" cy="369332"/>
           </a:xfrm>
           <a:prstGeom prst="rect">
@@ -3810,6 +3844,7 @@
           </a:bodyPr>
           <a:lstStyle/>
           <a:p>
+            <a:pPr algn="ctr"/>
             <a:r>
               <a:rPr lang="en-GB" b="1" dirty="0" smtClean="0">
                 <a:solidFill>
@@ -3828,13 +3863,13 @@
       </p:sp>
       <p:sp>
         <p:nvSpPr>
-          <p:cNvPr id="60" name="TextBox 59"/>
+          <p:cNvPr id="88" name="TextBox 87"/>
           <p:cNvSpPr txBox="1"/>
           <p:nvPr/>
         </p:nvSpPr>
         <p:spPr>
           <a:xfrm>
-            <a:off x="10315959" y="4306712"/>
+            <a:off x="10315959" y="3760792"/>
             <a:ext cx="1245363" cy="369332"/>
           </a:xfrm>
           <a:prstGeom prst="rect">
@@ -3848,6 +3883,7 @@
           </a:bodyPr>
           <a:lstStyle/>
           <a:p>
+            <a:pPr algn="ctr"/>
             <a:r>
               <a:rPr lang="en-GB" b="1" dirty="0" smtClean="0">
                 <a:solidFill>
@@ -3866,13 +3902,13 @@
       </p:sp>
       <p:sp>
         <p:nvSpPr>
-          <p:cNvPr id="61" name="TextBox 60"/>
+          <p:cNvPr id="89" name="TextBox 88"/>
           <p:cNvSpPr txBox="1"/>
           <p:nvPr/>
         </p:nvSpPr>
         <p:spPr>
           <a:xfrm>
-            <a:off x="10315959" y="2969089"/>
+            <a:off x="10315959" y="2846257"/>
             <a:ext cx="1245363" cy="369332"/>
           </a:xfrm>
           <a:prstGeom prst="rect">
@@ -3886,6 +3922,7 @@
           </a:bodyPr>
           <a:lstStyle/>
           <a:p>
+            <a:pPr algn="ctr"/>
             <a:r>
               <a:rPr lang="en-GB" b="1" dirty="0" smtClean="0">
                 <a:solidFill>
@@ -3904,13 +3941,13 @@
       </p:sp>
       <p:sp>
         <p:nvSpPr>
-          <p:cNvPr id="62" name="TextBox 61"/>
+          <p:cNvPr id="90" name="TextBox 89"/>
           <p:cNvSpPr txBox="1"/>
           <p:nvPr/>
         </p:nvSpPr>
         <p:spPr>
           <a:xfrm>
-            <a:off x="10315939" y="3645720"/>
+            <a:off x="10315939" y="3318168"/>
             <a:ext cx="1245363" cy="369332"/>
           </a:xfrm>
           <a:prstGeom prst="rect">
@@ -3924,6 +3961,7 @@
           </a:bodyPr>
           <a:lstStyle/>
           <a:p>
+            <a:pPr algn="ctr"/>
             <a:r>
               <a:rPr lang="en-GB" b="1" dirty="0" smtClean="0">
                 <a:solidFill>
@@ -3942,14 +3980,14 @@
       </p:sp>
       <p:sp>
         <p:nvSpPr>
-          <p:cNvPr id="63" name="TextBox 62"/>
+          <p:cNvPr id="91" name="TextBox 90"/>
           <p:cNvSpPr txBox="1"/>
           <p:nvPr/>
         </p:nvSpPr>
         <p:spPr>
           <a:xfrm>
-            <a:off x="5286121" y="2312873"/>
-            <a:ext cx="1245363" cy="369332"/>
+            <a:off x="5400295" y="2448333"/>
+            <a:ext cx="950906" cy="369332"/>
           </a:xfrm>
           <a:prstGeom prst="rect">
             <a:avLst/>
@@ -3962,6 +4000,7 @@
           </a:bodyPr>
           <a:lstStyle/>
           <a:p>
+            <a:pPr algn="ctr"/>
             <a:r>
               <a:rPr lang="en-GB" b="1" dirty="0" smtClean="0">
                 <a:solidFill>
@@ -3984,14 +4023,14 @@
       </p:sp>
       <p:sp>
         <p:nvSpPr>
-          <p:cNvPr id="64" name="TextBox 63"/>
+          <p:cNvPr id="92" name="TextBox 91"/>
           <p:cNvSpPr txBox="1"/>
           <p:nvPr/>
         </p:nvSpPr>
         <p:spPr>
           <a:xfrm>
-            <a:off x="586846" y="4605278"/>
-            <a:ext cx="1245363" cy="369332"/>
+            <a:off x="2294516" y="2448333"/>
+            <a:ext cx="1013344" cy="369332"/>
           </a:xfrm>
           <a:prstGeom prst="rect">
             <a:avLst/>
@@ -4004,6 +4043,7 @@
           </a:bodyPr>
           <a:lstStyle/>
           <a:p>
+            <a:pPr algn="ctr"/>
             <a:r>
               <a:rPr lang="en-GB" b="1" dirty="0" smtClean="0"/>
               <a:t>v_01.07</a:t>
@@ -4014,13 +4054,13 @@
       </p:sp>
       <p:sp>
         <p:nvSpPr>
-          <p:cNvPr id="65" name="TextBox 64"/>
+          <p:cNvPr id="93" name="TextBox 92"/>
           <p:cNvSpPr txBox="1"/>
           <p:nvPr/>
         </p:nvSpPr>
         <p:spPr>
           <a:xfrm>
-            <a:off x="10315939" y="6308780"/>
+            <a:off x="10315939" y="5176000"/>
             <a:ext cx="1245363" cy="369332"/>
           </a:xfrm>
           <a:prstGeom prst="rect">
@@ -4034,6 +4074,7 @@
           </a:bodyPr>
           <a:lstStyle/>
           <a:p>
+            <a:pPr algn="ctr"/>
             <a:r>
               <a:rPr lang="en-GB" b="1" dirty="0" smtClean="0">
                 <a:solidFill>
@@ -4052,13 +4093,13 @@
       </p:sp>
       <p:sp>
         <p:nvSpPr>
-          <p:cNvPr id="66" name="TextBox 65"/>
+          <p:cNvPr id="94" name="TextBox 93"/>
           <p:cNvSpPr txBox="1"/>
           <p:nvPr/>
         </p:nvSpPr>
         <p:spPr>
           <a:xfrm>
-            <a:off x="10315939" y="5647788"/>
+            <a:off x="10315939" y="4719726"/>
             <a:ext cx="1245363" cy="369332"/>
           </a:xfrm>
           <a:prstGeom prst="rect">
@@ -4072,6 +4113,7 @@
           </a:bodyPr>
           <a:lstStyle/>
           <a:p>
+            <a:pPr algn="ctr"/>
             <a:r>
               <a:rPr lang="en-GB" b="1" dirty="0" smtClean="0">
                 <a:solidFill>
@@ -4090,14 +4132,14 @@
       </p:sp>
       <p:sp>
         <p:nvSpPr>
-          <p:cNvPr id="67" name="Teardrop 66"/>
+          <p:cNvPr id="95" name="Teardrop 94"/>
           <p:cNvSpPr/>
           <p:nvPr/>
         </p:nvSpPr>
         <p:spPr>
           <a:xfrm>
-            <a:off x="8059391" y="181183"/>
-            <a:ext cx="2019056" cy="2322695"/>
+            <a:off x="8059391" y="467791"/>
+            <a:ext cx="2019056" cy="1819427"/>
           </a:xfrm>
           <a:prstGeom prst="teardrop">
             <a:avLst/>
@@ -4136,14 +4178,14 @@
       </p:sp>
       <p:sp>
         <p:nvSpPr>
-          <p:cNvPr id="68" name="Lightning Bolt 67"/>
+          <p:cNvPr id="96" name="Lightning Bolt 95"/>
           <p:cNvSpPr/>
           <p:nvPr/>
         </p:nvSpPr>
         <p:spPr>
           <a:xfrm>
-            <a:off x="4999333" y="181183"/>
-            <a:ext cx="2065919" cy="2316357"/>
+            <a:off x="5022763" y="481018"/>
+            <a:ext cx="1705970" cy="1821622"/>
           </a:xfrm>
           <a:prstGeom prst="lightningBolt">
             <a:avLst/>
@@ -4184,13 +4226,13 @@
       </p:sp>
       <p:sp>
         <p:nvSpPr>
-          <p:cNvPr id="69" name="TextBox 68"/>
+          <p:cNvPr id="97" name="TextBox 96"/>
           <p:cNvSpPr txBox="1"/>
           <p:nvPr/>
         </p:nvSpPr>
         <p:spPr>
           <a:xfrm>
-            <a:off x="4844937" y="1077751"/>
+            <a:off x="4688393" y="1118701"/>
             <a:ext cx="2374710" cy="523220"/>
           </a:xfrm>
           <a:prstGeom prst="rect">
@@ -4215,14 +4257,14 @@
       </p:sp>
       <p:sp>
         <p:nvSpPr>
-          <p:cNvPr id="70" name="Teardrop 69"/>
+          <p:cNvPr id="98" name="Teardrop 97"/>
           <p:cNvSpPr/>
           <p:nvPr/>
         </p:nvSpPr>
         <p:spPr>
           <a:xfrm>
-            <a:off x="8211791" y="333583"/>
-            <a:ext cx="1866656" cy="2163957"/>
+            <a:off x="8211791" y="620191"/>
+            <a:ext cx="1866656" cy="1667027"/>
           </a:xfrm>
           <a:prstGeom prst="teardrop">
             <a:avLst/>
@@ -4261,14 +4303,14 @@
       </p:sp>
       <p:sp>
         <p:nvSpPr>
-          <p:cNvPr id="71" name="Teardrop 70"/>
+          <p:cNvPr id="99" name="Teardrop 98"/>
           <p:cNvSpPr/>
           <p:nvPr/>
         </p:nvSpPr>
         <p:spPr>
           <a:xfrm>
-            <a:off x="8364191" y="485983"/>
-            <a:ext cx="1714256" cy="2020535"/>
+            <a:off x="8364191" y="772591"/>
+            <a:ext cx="1714256" cy="1514627"/>
           </a:xfrm>
           <a:prstGeom prst="teardrop">
             <a:avLst/>
@@ -4307,14 +4349,14 @@
       </p:sp>
       <p:sp>
         <p:nvSpPr>
-          <p:cNvPr id="72" name="Teardrop 71"/>
+          <p:cNvPr id="100" name="Teardrop 99"/>
           <p:cNvSpPr/>
           <p:nvPr/>
         </p:nvSpPr>
         <p:spPr>
           <a:xfrm>
-            <a:off x="8516591" y="638383"/>
-            <a:ext cx="1561856" cy="1868135"/>
+            <a:off x="8516591" y="924991"/>
+            <a:ext cx="1561856" cy="1377649"/>
           </a:xfrm>
           <a:prstGeom prst="teardrop">
             <a:avLst/>
@@ -4353,13 +4395,13 @@
       </p:sp>
       <p:sp>
         <p:nvSpPr>
-          <p:cNvPr id="73" name="TextBox 72"/>
+          <p:cNvPr id="101" name="TextBox 100"/>
           <p:cNvSpPr txBox="1"/>
           <p:nvPr/>
         </p:nvSpPr>
         <p:spPr>
           <a:xfrm>
-            <a:off x="7881564" y="1077751"/>
+            <a:off x="7881564" y="1118701"/>
             <a:ext cx="2374710" cy="523220"/>
           </a:xfrm>
           <a:prstGeom prst="rect">
@@ -4379,6 +4421,91 @@
               <a:t>Answer</a:t>
             </a:r>
             <a:endParaRPr lang="en-GB" sz="2800" dirty="0"/>
+          </a:p>
+        </p:txBody>
+      </p:sp>
+      <p:sp>
+        <p:nvSpPr>
+          <p:cNvPr id="102" name="TextBox 101"/>
+          <p:cNvSpPr txBox="1"/>
+          <p:nvPr/>
+        </p:nvSpPr>
+        <p:spPr>
+          <a:xfrm>
+            <a:off x="1849249" y="5643285"/>
+            <a:ext cx="8466689" cy="369332"/>
+          </a:xfrm>
+          <a:prstGeom prst="rect">
+            <a:avLst/>
+          </a:prstGeom>
+          <a:solidFill>
+            <a:srgbClr val="9F6021"/>
+          </a:solidFill>
+          <a:ln>
+            <a:solidFill>
+              <a:srgbClr val="9F6021"/>
+            </a:solidFill>
+          </a:ln>
+        </p:spPr>
+        <p:txBody>
+          <a:bodyPr wrap="square" rtlCol="0">
+            <a:spAutoFit/>
+          </a:bodyPr>
+          <a:lstStyle/>
+          <a:p>
+            <a:pPr algn="ctr"/>
+            <a:r>
+              <a:rPr lang="en-GB" dirty="0" smtClean="0">
+                <a:solidFill>
+                  <a:schemeClr val="bg1"/>
+                </a:solidFill>
+              </a:rPr>
+              <a:t>Universal Translator?</a:t>
+            </a:r>
+            <a:endParaRPr lang="en-GB" dirty="0">
+              <a:solidFill>
+                <a:schemeClr val="bg1"/>
+              </a:solidFill>
+            </a:endParaRPr>
+          </a:p>
+        </p:txBody>
+      </p:sp>
+      <p:sp>
+        <p:nvSpPr>
+          <p:cNvPr id="103" name="TextBox 102"/>
+          <p:cNvSpPr txBox="1"/>
+          <p:nvPr/>
+        </p:nvSpPr>
+        <p:spPr>
+          <a:xfrm>
+            <a:off x="5400295" y="6053561"/>
+            <a:ext cx="950906" cy="369332"/>
+          </a:xfrm>
+          <a:prstGeom prst="rect">
+            <a:avLst/>
+          </a:prstGeom>
+          <a:noFill/>
+        </p:spPr>
+        <p:txBody>
+          <a:bodyPr wrap="square" rtlCol="0">
+            <a:spAutoFit/>
+          </a:bodyPr>
+          <a:lstStyle/>
+          <a:p>
+            <a:pPr algn="ctr"/>
+            <a:r>
+              <a:rPr lang="en-GB" b="1" dirty="0" smtClean="0">
+                <a:solidFill>
+                  <a:srgbClr val="9F6021"/>
+                </a:solidFill>
+              </a:rPr>
+              <a:t>v_01.09</a:t>
+            </a:r>
+            <a:endParaRPr lang="en-GB" b="1" dirty="0">
+              <a:solidFill>
+                <a:srgbClr val="9F6021"/>
+              </a:solidFill>
+            </a:endParaRPr>
           </a:p>
         </p:txBody>
       </p:sp>
